--- a/document/0415_newStart.pptx
+++ b/document/0415_newStart.pptx
@@ -108,6 +108,11 @@
       </a:defRPr>
     </a:lvl9pPr>
   </p:defaultTextStyle>
+  <p:extLst>
+    <p:ext uri="{EFAFB233-063F-42B5-8137-9DF3F51BA10A}">
+      <p15:sldGuideLst xmlns:p15="http://schemas.microsoft.com/office/powerpoint/2012/main"/>
+    </p:ext>
+  </p:extLst>
 </p:presentation>
 </file>
 
@@ -4175,25 +4180,16 @@
             <a:pPr algn="ctr"/>
             <a:r>
               <a:rPr lang="en-US" altLang="zh-CN" dirty="0" err="1"/>
-              <a:t>newStart</a:t>
+              <a:t>Zuul</a:t>
             </a:r>
             <a:endParaRPr lang="en-US" altLang="zh-CN" dirty="0"/>
           </a:p>
           <a:p>
             <a:pPr algn="ctr"/>
             <a:r>
-              <a:rPr lang="en-US" altLang="zh-CN" dirty="0"/>
-              <a:t>1</a:t>
-            </a:r>
-            <a:r>
               <a:rPr lang="zh-CN" altLang="en-US" dirty="0"/>
-              <a:t>、</a:t>
-            </a:r>
-            <a:r>
-              <a:rPr lang="en-US" altLang="zh-CN" dirty="0"/>
-              <a:t>login</a:t>
-            </a:r>
-            <a:endParaRPr lang="zh-CN" altLang="en-US" dirty="0"/>
+              <a:t>网关</a:t>
+            </a:r>
           </a:p>
         </p:txBody>
       </p:sp>
@@ -4296,92 +4292,10 @@
           <a:lstStyle/>
           <a:p>
             <a:pPr algn="ctr"/>
-            <a:r>
-              <a:rPr lang="en-US" altLang="zh-CN" dirty="0" err="1"/>
-              <a:t>newStart</a:t>
-            </a:r>
             <a:endParaRPr lang="en-US" altLang="zh-CN" dirty="0"/>
           </a:p>
           <a:p>
             <a:pPr algn="ctr"/>
-            <a:r>
-              <a:rPr lang="en-US" altLang="zh-CN" dirty="0"/>
-              <a:t>1</a:t>
-            </a:r>
-            <a:r>
-              <a:rPr lang="zh-CN" altLang="en-US" dirty="0"/>
-              <a:t>、</a:t>
-            </a:r>
-            <a:r>
-              <a:rPr lang="en-US" altLang="zh-CN" dirty="0"/>
-              <a:t>login</a:t>
-            </a:r>
-            <a:endParaRPr lang="zh-CN" altLang="en-US" dirty="0"/>
-          </a:p>
-        </p:txBody>
-      </p:sp>
-      <p:sp>
-        <p:nvSpPr>
-          <p:cNvPr id="16" name="矩形: 圆角 15">
-            <a:extLst>
-              <a:ext uri="{FF2B5EF4-FFF2-40B4-BE49-F238E27FC236}">
-                <a16:creationId xmlns:a16="http://schemas.microsoft.com/office/drawing/2014/main" id="{17BAA362-B36E-40C8-8815-9ADACFDA1D20}"/>
-              </a:ext>
-            </a:extLst>
-          </p:cNvPr>
-          <p:cNvSpPr/>
-          <p:nvPr/>
-        </p:nvSpPr>
-        <p:spPr>
-          <a:xfrm>
-            <a:off x="424649" y="4819095"/>
-            <a:ext cx="1784411" cy="639192"/>
-          </a:xfrm>
-          <a:prstGeom prst="roundRect">
-            <a:avLst/>
-          </a:prstGeom>
-        </p:spPr>
-        <p:style>
-          <a:lnRef idx="2">
-            <a:schemeClr val="accent1">
-              <a:shade val="50000"/>
-            </a:schemeClr>
-          </a:lnRef>
-          <a:fillRef idx="1">
-            <a:schemeClr val="accent1"/>
-          </a:fillRef>
-          <a:effectRef idx="0">
-            <a:schemeClr val="accent1"/>
-          </a:effectRef>
-          <a:fontRef idx="minor">
-            <a:schemeClr val="lt1"/>
-          </a:fontRef>
-        </p:style>
-        <p:txBody>
-          <a:bodyPr rtlCol="0" anchor="ctr"/>
-          <a:lstStyle/>
-          <a:p>
-            <a:pPr algn="ctr"/>
-            <a:r>
-              <a:rPr lang="en-US" altLang="zh-CN" dirty="0" err="1"/>
-              <a:t>newStart</a:t>
-            </a:r>
-            <a:endParaRPr lang="en-US" altLang="zh-CN" dirty="0"/>
-          </a:p>
-          <a:p>
-            <a:pPr algn="ctr"/>
-            <a:r>
-              <a:rPr lang="en-US" altLang="zh-CN" dirty="0"/>
-              <a:t>1</a:t>
-            </a:r>
-            <a:r>
-              <a:rPr lang="zh-CN" altLang="en-US" dirty="0"/>
-              <a:t>、</a:t>
-            </a:r>
-            <a:r>
-              <a:rPr lang="en-US" altLang="zh-CN" dirty="0"/>
-              <a:t>login</a:t>
-            </a:r>
             <a:endParaRPr lang="zh-CN" altLang="en-US" dirty="0"/>
           </a:p>
         </p:txBody>
@@ -4537,32 +4451,60 @@
           <a:bodyPr/>
           <a:lstStyle/>
           <a:p>
-            <a:endParaRPr lang="zh-CN" altLang="en-US"/>
-          </a:p>
-        </p:txBody>
-      </p:sp>
-      <p:sp>
-        <p:nvSpPr>
-          <p:cNvPr id="3" name="内容占位符 2">
-            <a:extLst>
-              <a:ext uri="{FF2B5EF4-FFF2-40B4-BE49-F238E27FC236}">
-                <a16:creationId xmlns:a16="http://schemas.microsoft.com/office/drawing/2014/main" id="{56BB16FB-4459-4CD1-9389-047080558101}"/>
-              </a:ext>
-            </a:extLst>
-          </p:cNvPr>
-          <p:cNvSpPr>
+            <a:r>
+              <a:rPr lang="zh-CN" altLang="en-US" dirty="0"/>
+              <a:t>业务逻辑内容</a:t>
+            </a:r>
+          </a:p>
+        </p:txBody>
+      </p:sp>
+      <p:sp>
+        <p:nvSpPr>
+          <p:cNvPr id="4" name="内容占位符 3">
+            <a:extLst>
+              <a:ext uri="{FF2B5EF4-FFF2-40B4-BE49-F238E27FC236}">
+                <a16:creationId xmlns:a16="http://schemas.microsoft.com/office/drawing/2014/main" id="{DC0F22A0-1F4F-4834-958F-8C287B6DE3D3}"/>
+              </a:ext>
+            </a:extLst>
+          </p:cNvPr>
+          <p:cNvSpPr txBox="1">
             <a:spLocks noGrp="1"/>
           </p:cNvSpPr>
           <p:nvPr>
             <p:ph idx="1"/>
           </p:nvPr>
         </p:nvSpPr>
-        <p:spPr/>
-        <p:txBody>
-          <a:bodyPr/>
-          <a:lstStyle/>
-          <a:p>
-            <a:endParaRPr lang="zh-CN" altLang="en-US"/>
+        <p:spPr>
+          <a:xfrm>
+            <a:off x="838200" y="1825625"/>
+            <a:ext cx="10515600" cy="1512209"/>
+          </a:xfrm>
+          <a:prstGeom prst="rect">
+            <a:avLst/>
+          </a:prstGeom>
+          <a:noFill/>
+        </p:spPr>
+        <p:txBody>
+          <a:bodyPr wrap="square" rtlCol="0">
+            <a:spAutoFit/>
+          </a:bodyPr>
+          <a:lstStyle/>
+          <a:p>
+            <a:r>
+              <a:rPr lang="zh-CN" altLang="en-US" dirty="0"/>
+              <a:t>查询、新增修改、统计等功能分节点</a:t>
+            </a:r>
+            <a:endParaRPr lang="en-US" altLang="zh-CN" dirty="0"/>
+          </a:p>
+          <a:p>
+            <a:r>
+              <a:rPr lang="zh-CN" altLang="en-US" dirty="0"/>
+              <a:t>服务提供、消费分节点</a:t>
+            </a:r>
+            <a:endParaRPr lang="en-US" altLang="zh-CN" dirty="0"/>
+          </a:p>
+          <a:p>
+            <a:endParaRPr lang="zh-CN" altLang="en-US" dirty="0"/>
           </a:p>
         </p:txBody>
       </p:sp>

--- a/document/0415_newStart.pptx
+++ b/document/0415_newStart.pptx
@@ -138,7 +138,7 @@
           <p:cNvPr id="2" name="标题 1">
             <a:extLst>
               <a:ext uri="{FF2B5EF4-FFF2-40B4-BE49-F238E27FC236}">
-                <a16:creationId xmlns:a16="http://schemas.microsoft.com/office/drawing/2014/main" id="{15F17601-5DD3-44EC-8D78-5500CCA31613}"/>
+                <a16:creationId xmlns:a16="http://schemas.microsoft.com/office/drawing/2014/main" xmlns="" id="{15F17601-5DD3-44EC-8D78-5500CCA31613}"/>
               </a:ext>
             </a:extLst>
           </p:cNvPr>
@@ -175,7 +175,7 @@
           <p:cNvPr id="3" name="副标题 2">
             <a:extLst>
               <a:ext uri="{FF2B5EF4-FFF2-40B4-BE49-F238E27FC236}">
-                <a16:creationId xmlns:a16="http://schemas.microsoft.com/office/drawing/2014/main" id="{D24A2138-156C-403E-B6DB-C617F7E48637}"/>
+                <a16:creationId xmlns:a16="http://schemas.microsoft.com/office/drawing/2014/main" xmlns="" id="{D24A2138-156C-403E-B6DB-C617F7E48637}"/>
               </a:ext>
             </a:extLst>
           </p:cNvPr>
@@ -245,7 +245,7 @@
           <p:cNvPr id="4" name="日期占位符 3">
             <a:extLst>
               <a:ext uri="{FF2B5EF4-FFF2-40B4-BE49-F238E27FC236}">
-                <a16:creationId xmlns:a16="http://schemas.microsoft.com/office/drawing/2014/main" id="{1D510876-9FC8-4C7A-8ED6-DF714892CE7A}"/>
+                <a16:creationId xmlns:a16="http://schemas.microsoft.com/office/drawing/2014/main" xmlns="" id="{1D510876-9FC8-4C7A-8ED6-DF714892CE7A}"/>
               </a:ext>
             </a:extLst>
           </p:cNvPr>
@@ -263,7 +263,7 @@
           <a:p>
             <a:fld id="{EE07146B-61D1-4998-A9A3-6D76A1909CB6}" type="datetimeFigureOut">
               <a:rPr lang="zh-CN" altLang="en-US" smtClean="0"/>
-              <a:t>2020/4/16</a:t>
+              <a:t>20/4/19</a:t>
             </a:fld>
             <a:endParaRPr lang="zh-CN" altLang="en-US"/>
           </a:p>
@@ -274,7 +274,7 @@
           <p:cNvPr id="5" name="页脚占位符 4">
             <a:extLst>
               <a:ext uri="{FF2B5EF4-FFF2-40B4-BE49-F238E27FC236}">
-                <a16:creationId xmlns:a16="http://schemas.microsoft.com/office/drawing/2014/main" id="{F6D7496D-B4A8-46EF-800A-84577455A115}"/>
+                <a16:creationId xmlns:a16="http://schemas.microsoft.com/office/drawing/2014/main" xmlns="" id="{F6D7496D-B4A8-46EF-800A-84577455A115}"/>
               </a:ext>
             </a:extLst>
           </p:cNvPr>
@@ -299,7 +299,7 @@
           <p:cNvPr id="6" name="灯片编号占位符 5">
             <a:extLst>
               <a:ext uri="{FF2B5EF4-FFF2-40B4-BE49-F238E27FC236}">
-                <a16:creationId xmlns:a16="http://schemas.microsoft.com/office/drawing/2014/main" id="{DD49B62A-40B7-437A-8377-1561316B21D6}"/>
+                <a16:creationId xmlns:a16="http://schemas.microsoft.com/office/drawing/2014/main" xmlns="" id="{DD49B62A-40B7-437A-8377-1561316B21D6}"/>
               </a:ext>
             </a:extLst>
           </p:cNvPr>
@@ -358,7 +358,7 @@
           <p:cNvPr id="2" name="标题 1">
             <a:extLst>
               <a:ext uri="{FF2B5EF4-FFF2-40B4-BE49-F238E27FC236}">
-                <a16:creationId xmlns:a16="http://schemas.microsoft.com/office/drawing/2014/main" id="{0DCEBE73-265B-4BDF-89E1-DBA06A465AB4}"/>
+                <a16:creationId xmlns:a16="http://schemas.microsoft.com/office/drawing/2014/main" xmlns="" id="{0DCEBE73-265B-4BDF-89E1-DBA06A465AB4}"/>
               </a:ext>
             </a:extLst>
           </p:cNvPr>
@@ -386,7 +386,7 @@
           <p:cNvPr id="3" name="竖排文字占位符 2">
             <a:extLst>
               <a:ext uri="{FF2B5EF4-FFF2-40B4-BE49-F238E27FC236}">
-                <a16:creationId xmlns:a16="http://schemas.microsoft.com/office/drawing/2014/main" id="{E4947981-0037-4A28-A0DD-3E7D566CF4D2}"/>
+                <a16:creationId xmlns:a16="http://schemas.microsoft.com/office/drawing/2014/main" xmlns="" id="{E4947981-0037-4A28-A0DD-3E7D566CF4D2}"/>
               </a:ext>
             </a:extLst>
           </p:cNvPr>
@@ -443,7 +443,7 @@
           <p:cNvPr id="4" name="日期占位符 3">
             <a:extLst>
               <a:ext uri="{FF2B5EF4-FFF2-40B4-BE49-F238E27FC236}">
-                <a16:creationId xmlns:a16="http://schemas.microsoft.com/office/drawing/2014/main" id="{C548F669-FB62-4E0B-A6EF-71520FD7A20B}"/>
+                <a16:creationId xmlns:a16="http://schemas.microsoft.com/office/drawing/2014/main" xmlns="" id="{C548F669-FB62-4E0B-A6EF-71520FD7A20B}"/>
               </a:ext>
             </a:extLst>
           </p:cNvPr>
@@ -461,7 +461,7 @@
           <a:p>
             <a:fld id="{EE07146B-61D1-4998-A9A3-6D76A1909CB6}" type="datetimeFigureOut">
               <a:rPr lang="zh-CN" altLang="en-US" smtClean="0"/>
-              <a:t>2020/4/16</a:t>
+              <a:t>20/4/19</a:t>
             </a:fld>
             <a:endParaRPr lang="zh-CN" altLang="en-US"/>
           </a:p>
@@ -472,7 +472,7 @@
           <p:cNvPr id="5" name="页脚占位符 4">
             <a:extLst>
               <a:ext uri="{FF2B5EF4-FFF2-40B4-BE49-F238E27FC236}">
-                <a16:creationId xmlns:a16="http://schemas.microsoft.com/office/drawing/2014/main" id="{87F22989-4BA6-4B54-82F7-99C7E368C8CD}"/>
+                <a16:creationId xmlns:a16="http://schemas.microsoft.com/office/drawing/2014/main" xmlns="" id="{87F22989-4BA6-4B54-82F7-99C7E368C8CD}"/>
               </a:ext>
             </a:extLst>
           </p:cNvPr>
@@ -497,7 +497,7 @@
           <p:cNvPr id="6" name="灯片编号占位符 5">
             <a:extLst>
               <a:ext uri="{FF2B5EF4-FFF2-40B4-BE49-F238E27FC236}">
-                <a16:creationId xmlns:a16="http://schemas.microsoft.com/office/drawing/2014/main" id="{44B166CF-2038-4473-B391-AD1D7A150F78}"/>
+                <a16:creationId xmlns:a16="http://schemas.microsoft.com/office/drawing/2014/main" xmlns="" id="{44B166CF-2038-4473-B391-AD1D7A150F78}"/>
               </a:ext>
             </a:extLst>
           </p:cNvPr>
@@ -556,7 +556,7 @@
           <p:cNvPr id="2" name="竖排标题 1">
             <a:extLst>
               <a:ext uri="{FF2B5EF4-FFF2-40B4-BE49-F238E27FC236}">
-                <a16:creationId xmlns:a16="http://schemas.microsoft.com/office/drawing/2014/main" id="{D2CAB4F2-ACBB-4DF3-94BD-5DDFF0EC4BC8}"/>
+                <a16:creationId xmlns:a16="http://schemas.microsoft.com/office/drawing/2014/main" xmlns="" id="{D2CAB4F2-ACBB-4DF3-94BD-5DDFF0EC4BC8}"/>
               </a:ext>
             </a:extLst>
           </p:cNvPr>
@@ -589,7 +589,7 @@
           <p:cNvPr id="3" name="竖排文字占位符 2">
             <a:extLst>
               <a:ext uri="{FF2B5EF4-FFF2-40B4-BE49-F238E27FC236}">
-                <a16:creationId xmlns:a16="http://schemas.microsoft.com/office/drawing/2014/main" id="{E05CD7B8-78D3-4929-ACF4-B929737F1EF5}"/>
+                <a16:creationId xmlns:a16="http://schemas.microsoft.com/office/drawing/2014/main" xmlns="" id="{E05CD7B8-78D3-4929-ACF4-B929737F1EF5}"/>
               </a:ext>
             </a:extLst>
           </p:cNvPr>
@@ -651,7 +651,7 @@
           <p:cNvPr id="4" name="日期占位符 3">
             <a:extLst>
               <a:ext uri="{FF2B5EF4-FFF2-40B4-BE49-F238E27FC236}">
-                <a16:creationId xmlns:a16="http://schemas.microsoft.com/office/drawing/2014/main" id="{189DE80C-38C9-42CE-BF54-31A1C83DDD9B}"/>
+                <a16:creationId xmlns:a16="http://schemas.microsoft.com/office/drawing/2014/main" xmlns="" id="{189DE80C-38C9-42CE-BF54-31A1C83DDD9B}"/>
               </a:ext>
             </a:extLst>
           </p:cNvPr>
@@ -669,7 +669,7 @@
           <a:p>
             <a:fld id="{EE07146B-61D1-4998-A9A3-6D76A1909CB6}" type="datetimeFigureOut">
               <a:rPr lang="zh-CN" altLang="en-US" smtClean="0"/>
-              <a:t>2020/4/16</a:t>
+              <a:t>20/4/19</a:t>
             </a:fld>
             <a:endParaRPr lang="zh-CN" altLang="en-US"/>
           </a:p>
@@ -680,7 +680,7 @@
           <p:cNvPr id="5" name="页脚占位符 4">
             <a:extLst>
               <a:ext uri="{FF2B5EF4-FFF2-40B4-BE49-F238E27FC236}">
-                <a16:creationId xmlns:a16="http://schemas.microsoft.com/office/drawing/2014/main" id="{59DE6F2D-8B03-4122-B697-53D264763A47}"/>
+                <a16:creationId xmlns:a16="http://schemas.microsoft.com/office/drawing/2014/main" xmlns="" id="{59DE6F2D-8B03-4122-B697-53D264763A47}"/>
               </a:ext>
             </a:extLst>
           </p:cNvPr>
@@ -705,7 +705,7 @@
           <p:cNvPr id="6" name="灯片编号占位符 5">
             <a:extLst>
               <a:ext uri="{FF2B5EF4-FFF2-40B4-BE49-F238E27FC236}">
-                <a16:creationId xmlns:a16="http://schemas.microsoft.com/office/drawing/2014/main" id="{DB9679F7-503A-4C13-A666-B0FDA3B4C85C}"/>
+                <a16:creationId xmlns:a16="http://schemas.microsoft.com/office/drawing/2014/main" xmlns="" id="{DB9679F7-503A-4C13-A666-B0FDA3B4C85C}"/>
               </a:ext>
             </a:extLst>
           </p:cNvPr>
@@ -764,7 +764,7 @@
           <p:cNvPr id="2" name="标题 1">
             <a:extLst>
               <a:ext uri="{FF2B5EF4-FFF2-40B4-BE49-F238E27FC236}">
-                <a16:creationId xmlns:a16="http://schemas.microsoft.com/office/drawing/2014/main" id="{EFAB1573-A511-4CD8-87E6-79B2740484D2}"/>
+                <a16:creationId xmlns:a16="http://schemas.microsoft.com/office/drawing/2014/main" xmlns="" id="{EFAB1573-A511-4CD8-87E6-79B2740484D2}"/>
               </a:ext>
             </a:extLst>
           </p:cNvPr>
@@ -792,7 +792,7 @@
           <p:cNvPr id="3" name="内容占位符 2">
             <a:extLst>
               <a:ext uri="{FF2B5EF4-FFF2-40B4-BE49-F238E27FC236}">
-                <a16:creationId xmlns:a16="http://schemas.microsoft.com/office/drawing/2014/main" id="{32069780-DB13-447E-B537-017F747274FE}"/>
+                <a16:creationId xmlns:a16="http://schemas.microsoft.com/office/drawing/2014/main" xmlns="" id="{32069780-DB13-447E-B537-017F747274FE}"/>
               </a:ext>
             </a:extLst>
           </p:cNvPr>
@@ -849,7 +849,7 @@
           <p:cNvPr id="4" name="日期占位符 3">
             <a:extLst>
               <a:ext uri="{FF2B5EF4-FFF2-40B4-BE49-F238E27FC236}">
-                <a16:creationId xmlns:a16="http://schemas.microsoft.com/office/drawing/2014/main" id="{917FA542-7DEA-40C3-BC0A-E88412D2DD66}"/>
+                <a16:creationId xmlns:a16="http://schemas.microsoft.com/office/drawing/2014/main" xmlns="" id="{917FA542-7DEA-40C3-BC0A-E88412D2DD66}"/>
               </a:ext>
             </a:extLst>
           </p:cNvPr>
@@ -867,7 +867,7 @@
           <a:p>
             <a:fld id="{EE07146B-61D1-4998-A9A3-6D76A1909CB6}" type="datetimeFigureOut">
               <a:rPr lang="zh-CN" altLang="en-US" smtClean="0"/>
-              <a:t>2020/4/16</a:t>
+              <a:t>20/4/19</a:t>
             </a:fld>
             <a:endParaRPr lang="zh-CN" altLang="en-US"/>
           </a:p>
@@ -878,7 +878,7 @@
           <p:cNvPr id="5" name="页脚占位符 4">
             <a:extLst>
               <a:ext uri="{FF2B5EF4-FFF2-40B4-BE49-F238E27FC236}">
-                <a16:creationId xmlns:a16="http://schemas.microsoft.com/office/drawing/2014/main" id="{9C5311EF-3124-45AD-A4F4-63D88B840351}"/>
+                <a16:creationId xmlns:a16="http://schemas.microsoft.com/office/drawing/2014/main" xmlns="" id="{9C5311EF-3124-45AD-A4F4-63D88B840351}"/>
               </a:ext>
             </a:extLst>
           </p:cNvPr>
@@ -903,7 +903,7 @@
           <p:cNvPr id="6" name="灯片编号占位符 5">
             <a:extLst>
               <a:ext uri="{FF2B5EF4-FFF2-40B4-BE49-F238E27FC236}">
-                <a16:creationId xmlns:a16="http://schemas.microsoft.com/office/drawing/2014/main" id="{6F979C4B-C22B-4C31-B658-C6C16FF96AB8}"/>
+                <a16:creationId xmlns:a16="http://schemas.microsoft.com/office/drawing/2014/main" xmlns="" id="{6F979C4B-C22B-4C31-B658-C6C16FF96AB8}"/>
               </a:ext>
             </a:extLst>
           </p:cNvPr>
@@ -962,7 +962,7 @@
           <p:cNvPr id="2" name="标题 1">
             <a:extLst>
               <a:ext uri="{FF2B5EF4-FFF2-40B4-BE49-F238E27FC236}">
-                <a16:creationId xmlns:a16="http://schemas.microsoft.com/office/drawing/2014/main" id="{A8774F5F-53C5-428A-90D1-AC25BE5BA600}"/>
+                <a16:creationId xmlns:a16="http://schemas.microsoft.com/office/drawing/2014/main" xmlns="" id="{A8774F5F-53C5-428A-90D1-AC25BE5BA600}"/>
               </a:ext>
             </a:extLst>
           </p:cNvPr>
@@ -999,7 +999,7 @@
           <p:cNvPr id="3" name="文本占位符 2">
             <a:extLst>
               <a:ext uri="{FF2B5EF4-FFF2-40B4-BE49-F238E27FC236}">
-                <a16:creationId xmlns:a16="http://schemas.microsoft.com/office/drawing/2014/main" id="{6B76DB01-BD86-4617-B883-D1146BB08372}"/>
+                <a16:creationId xmlns:a16="http://schemas.microsoft.com/office/drawing/2014/main" xmlns="" id="{6B76DB01-BD86-4617-B883-D1146BB08372}"/>
               </a:ext>
             </a:extLst>
           </p:cNvPr>
@@ -1124,7 +1124,7 @@
           <p:cNvPr id="4" name="日期占位符 3">
             <a:extLst>
               <a:ext uri="{FF2B5EF4-FFF2-40B4-BE49-F238E27FC236}">
-                <a16:creationId xmlns:a16="http://schemas.microsoft.com/office/drawing/2014/main" id="{EDC1A859-29B2-4800-B4DE-8174D630B393}"/>
+                <a16:creationId xmlns:a16="http://schemas.microsoft.com/office/drawing/2014/main" xmlns="" id="{EDC1A859-29B2-4800-B4DE-8174D630B393}"/>
               </a:ext>
             </a:extLst>
           </p:cNvPr>
@@ -1142,7 +1142,7 @@
           <a:p>
             <a:fld id="{EE07146B-61D1-4998-A9A3-6D76A1909CB6}" type="datetimeFigureOut">
               <a:rPr lang="zh-CN" altLang="en-US" smtClean="0"/>
-              <a:t>2020/4/16</a:t>
+              <a:t>20/4/19</a:t>
             </a:fld>
             <a:endParaRPr lang="zh-CN" altLang="en-US"/>
           </a:p>
@@ -1153,7 +1153,7 @@
           <p:cNvPr id="5" name="页脚占位符 4">
             <a:extLst>
               <a:ext uri="{FF2B5EF4-FFF2-40B4-BE49-F238E27FC236}">
-                <a16:creationId xmlns:a16="http://schemas.microsoft.com/office/drawing/2014/main" id="{BF104670-E367-4085-8BA3-D1F957825F6D}"/>
+                <a16:creationId xmlns:a16="http://schemas.microsoft.com/office/drawing/2014/main" xmlns="" id="{BF104670-E367-4085-8BA3-D1F957825F6D}"/>
               </a:ext>
             </a:extLst>
           </p:cNvPr>
@@ -1178,7 +1178,7 @@
           <p:cNvPr id="6" name="灯片编号占位符 5">
             <a:extLst>
               <a:ext uri="{FF2B5EF4-FFF2-40B4-BE49-F238E27FC236}">
-                <a16:creationId xmlns:a16="http://schemas.microsoft.com/office/drawing/2014/main" id="{0929C241-2416-4EE8-959D-D77F0FF466D8}"/>
+                <a16:creationId xmlns:a16="http://schemas.microsoft.com/office/drawing/2014/main" xmlns="" id="{0929C241-2416-4EE8-959D-D77F0FF466D8}"/>
               </a:ext>
             </a:extLst>
           </p:cNvPr>
@@ -1237,7 +1237,7 @@
           <p:cNvPr id="2" name="标题 1">
             <a:extLst>
               <a:ext uri="{FF2B5EF4-FFF2-40B4-BE49-F238E27FC236}">
-                <a16:creationId xmlns:a16="http://schemas.microsoft.com/office/drawing/2014/main" id="{219E0FF3-3E76-421E-BBFF-9F1E7DF1EBA5}"/>
+                <a16:creationId xmlns:a16="http://schemas.microsoft.com/office/drawing/2014/main" xmlns="" id="{219E0FF3-3E76-421E-BBFF-9F1E7DF1EBA5}"/>
               </a:ext>
             </a:extLst>
           </p:cNvPr>
@@ -1265,7 +1265,7 @@
           <p:cNvPr id="3" name="内容占位符 2">
             <a:extLst>
               <a:ext uri="{FF2B5EF4-FFF2-40B4-BE49-F238E27FC236}">
-                <a16:creationId xmlns:a16="http://schemas.microsoft.com/office/drawing/2014/main" id="{99506119-87B4-40C0-AAEF-52B8CB9896FC}"/>
+                <a16:creationId xmlns:a16="http://schemas.microsoft.com/office/drawing/2014/main" xmlns="" id="{99506119-87B4-40C0-AAEF-52B8CB9896FC}"/>
               </a:ext>
             </a:extLst>
           </p:cNvPr>
@@ -1327,7 +1327,7 @@
           <p:cNvPr id="4" name="内容占位符 3">
             <a:extLst>
               <a:ext uri="{FF2B5EF4-FFF2-40B4-BE49-F238E27FC236}">
-                <a16:creationId xmlns:a16="http://schemas.microsoft.com/office/drawing/2014/main" id="{45E75165-909A-4633-9DB8-CA709770629D}"/>
+                <a16:creationId xmlns:a16="http://schemas.microsoft.com/office/drawing/2014/main" xmlns="" id="{45E75165-909A-4633-9DB8-CA709770629D}"/>
               </a:ext>
             </a:extLst>
           </p:cNvPr>
@@ -1389,7 +1389,7 @@
           <p:cNvPr id="5" name="日期占位符 4">
             <a:extLst>
               <a:ext uri="{FF2B5EF4-FFF2-40B4-BE49-F238E27FC236}">
-                <a16:creationId xmlns:a16="http://schemas.microsoft.com/office/drawing/2014/main" id="{727148EE-BB0E-4C0A-9EC5-DCDC88D3219D}"/>
+                <a16:creationId xmlns:a16="http://schemas.microsoft.com/office/drawing/2014/main" xmlns="" id="{727148EE-BB0E-4C0A-9EC5-DCDC88D3219D}"/>
               </a:ext>
             </a:extLst>
           </p:cNvPr>
@@ -1407,7 +1407,7 @@
           <a:p>
             <a:fld id="{EE07146B-61D1-4998-A9A3-6D76A1909CB6}" type="datetimeFigureOut">
               <a:rPr lang="zh-CN" altLang="en-US" smtClean="0"/>
-              <a:t>2020/4/16</a:t>
+              <a:t>20/4/19</a:t>
             </a:fld>
             <a:endParaRPr lang="zh-CN" altLang="en-US"/>
           </a:p>
@@ -1418,7 +1418,7 @@
           <p:cNvPr id="6" name="页脚占位符 5">
             <a:extLst>
               <a:ext uri="{FF2B5EF4-FFF2-40B4-BE49-F238E27FC236}">
-                <a16:creationId xmlns:a16="http://schemas.microsoft.com/office/drawing/2014/main" id="{06F696D2-66C3-4BC8-9906-C64B24F6298E}"/>
+                <a16:creationId xmlns:a16="http://schemas.microsoft.com/office/drawing/2014/main" xmlns="" id="{06F696D2-66C3-4BC8-9906-C64B24F6298E}"/>
               </a:ext>
             </a:extLst>
           </p:cNvPr>
@@ -1443,7 +1443,7 @@
           <p:cNvPr id="7" name="灯片编号占位符 6">
             <a:extLst>
               <a:ext uri="{FF2B5EF4-FFF2-40B4-BE49-F238E27FC236}">
-                <a16:creationId xmlns:a16="http://schemas.microsoft.com/office/drawing/2014/main" id="{D6B10A28-99CB-4BDA-AFF1-C3B857032BD5}"/>
+                <a16:creationId xmlns:a16="http://schemas.microsoft.com/office/drawing/2014/main" xmlns="" id="{D6B10A28-99CB-4BDA-AFF1-C3B857032BD5}"/>
               </a:ext>
             </a:extLst>
           </p:cNvPr>
@@ -1502,7 +1502,7 @@
           <p:cNvPr id="2" name="标题 1">
             <a:extLst>
               <a:ext uri="{FF2B5EF4-FFF2-40B4-BE49-F238E27FC236}">
-                <a16:creationId xmlns:a16="http://schemas.microsoft.com/office/drawing/2014/main" id="{E30B06D9-4EF2-4163-80C8-7F3BC6013D60}"/>
+                <a16:creationId xmlns:a16="http://schemas.microsoft.com/office/drawing/2014/main" xmlns="" id="{E30B06D9-4EF2-4163-80C8-7F3BC6013D60}"/>
               </a:ext>
             </a:extLst>
           </p:cNvPr>
@@ -1535,7 +1535,7 @@
           <p:cNvPr id="3" name="文本占位符 2">
             <a:extLst>
               <a:ext uri="{FF2B5EF4-FFF2-40B4-BE49-F238E27FC236}">
-                <a16:creationId xmlns:a16="http://schemas.microsoft.com/office/drawing/2014/main" id="{75FDBC9A-40C8-4B51-904D-EC3563CEBE8A}"/>
+                <a16:creationId xmlns:a16="http://schemas.microsoft.com/office/drawing/2014/main" xmlns="" id="{75FDBC9A-40C8-4B51-904D-EC3563CEBE8A}"/>
               </a:ext>
             </a:extLst>
           </p:cNvPr>
@@ -1606,7 +1606,7 @@
           <p:cNvPr id="4" name="内容占位符 3">
             <a:extLst>
               <a:ext uri="{FF2B5EF4-FFF2-40B4-BE49-F238E27FC236}">
-                <a16:creationId xmlns:a16="http://schemas.microsoft.com/office/drawing/2014/main" id="{282FA3FE-A9FD-4343-8E5F-A2D80E311CE4}"/>
+                <a16:creationId xmlns:a16="http://schemas.microsoft.com/office/drawing/2014/main" xmlns="" id="{282FA3FE-A9FD-4343-8E5F-A2D80E311CE4}"/>
               </a:ext>
             </a:extLst>
           </p:cNvPr>
@@ -1668,7 +1668,7 @@
           <p:cNvPr id="5" name="文本占位符 4">
             <a:extLst>
               <a:ext uri="{FF2B5EF4-FFF2-40B4-BE49-F238E27FC236}">
-                <a16:creationId xmlns:a16="http://schemas.microsoft.com/office/drawing/2014/main" id="{AE71B7BA-6B4A-4922-B0A8-F27C91B3FE5D}"/>
+                <a16:creationId xmlns:a16="http://schemas.microsoft.com/office/drawing/2014/main" xmlns="" id="{AE71B7BA-6B4A-4922-B0A8-F27C91B3FE5D}"/>
               </a:ext>
             </a:extLst>
           </p:cNvPr>
@@ -1739,7 +1739,7 @@
           <p:cNvPr id="6" name="内容占位符 5">
             <a:extLst>
               <a:ext uri="{FF2B5EF4-FFF2-40B4-BE49-F238E27FC236}">
-                <a16:creationId xmlns:a16="http://schemas.microsoft.com/office/drawing/2014/main" id="{F5525146-47AC-4868-B70F-80A630207C88}"/>
+                <a16:creationId xmlns:a16="http://schemas.microsoft.com/office/drawing/2014/main" xmlns="" id="{F5525146-47AC-4868-B70F-80A630207C88}"/>
               </a:ext>
             </a:extLst>
           </p:cNvPr>
@@ -1801,7 +1801,7 @@
           <p:cNvPr id="7" name="日期占位符 6">
             <a:extLst>
               <a:ext uri="{FF2B5EF4-FFF2-40B4-BE49-F238E27FC236}">
-                <a16:creationId xmlns:a16="http://schemas.microsoft.com/office/drawing/2014/main" id="{80902293-75DD-47FC-B4B2-65FCF2156C8E}"/>
+                <a16:creationId xmlns:a16="http://schemas.microsoft.com/office/drawing/2014/main" xmlns="" id="{80902293-75DD-47FC-B4B2-65FCF2156C8E}"/>
               </a:ext>
             </a:extLst>
           </p:cNvPr>
@@ -1819,7 +1819,7 @@
           <a:p>
             <a:fld id="{EE07146B-61D1-4998-A9A3-6D76A1909CB6}" type="datetimeFigureOut">
               <a:rPr lang="zh-CN" altLang="en-US" smtClean="0"/>
-              <a:t>2020/4/16</a:t>
+              <a:t>20/4/19</a:t>
             </a:fld>
             <a:endParaRPr lang="zh-CN" altLang="en-US"/>
           </a:p>
@@ -1830,7 +1830,7 @@
           <p:cNvPr id="8" name="页脚占位符 7">
             <a:extLst>
               <a:ext uri="{FF2B5EF4-FFF2-40B4-BE49-F238E27FC236}">
-                <a16:creationId xmlns:a16="http://schemas.microsoft.com/office/drawing/2014/main" id="{9928C812-B089-48F3-A302-5F493289CC04}"/>
+                <a16:creationId xmlns:a16="http://schemas.microsoft.com/office/drawing/2014/main" xmlns="" id="{9928C812-B089-48F3-A302-5F493289CC04}"/>
               </a:ext>
             </a:extLst>
           </p:cNvPr>
@@ -1855,7 +1855,7 @@
           <p:cNvPr id="9" name="灯片编号占位符 8">
             <a:extLst>
               <a:ext uri="{FF2B5EF4-FFF2-40B4-BE49-F238E27FC236}">
-                <a16:creationId xmlns:a16="http://schemas.microsoft.com/office/drawing/2014/main" id="{16C14F45-09AA-4FC2-9902-DD49B03BAF63}"/>
+                <a16:creationId xmlns:a16="http://schemas.microsoft.com/office/drawing/2014/main" xmlns="" id="{16C14F45-09AA-4FC2-9902-DD49B03BAF63}"/>
               </a:ext>
             </a:extLst>
           </p:cNvPr>
@@ -1914,7 +1914,7 @@
           <p:cNvPr id="2" name="标题 1">
             <a:extLst>
               <a:ext uri="{FF2B5EF4-FFF2-40B4-BE49-F238E27FC236}">
-                <a16:creationId xmlns:a16="http://schemas.microsoft.com/office/drawing/2014/main" id="{79331632-7582-4F81-9855-8273EB5AC34E}"/>
+                <a16:creationId xmlns:a16="http://schemas.microsoft.com/office/drawing/2014/main" xmlns="" id="{79331632-7582-4F81-9855-8273EB5AC34E}"/>
               </a:ext>
             </a:extLst>
           </p:cNvPr>
@@ -1942,7 +1942,7 @@
           <p:cNvPr id="3" name="日期占位符 2">
             <a:extLst>
               <a:ext uri="{FF2B5EF4-FFF2-40B4-BE49-F238E27FC236}">
-                <a16:creationId xmlns:a16="http://schemas.microsoft.com/office/drawing/2014/main" id="{68873852-6A56-4134-88B0-E62C95FCE802}"/>
+                <a16:creationId xmlns:a16="http://schemas.microsoft.com/office/drawing/2014/main" xmlns="" id="{68873852-6A56-4134-88B0-E62C95FCE802}"/>
               </a:ext>
             </a:extLst>
           </p:cNvPr>
@@ -1960,7 +1960,7 @@
           <a:p>
             <a:fld id="{EE07146B-61D1-4998-A9A3-6D76A1909CB6}" type="datetimeFigureOut">
               <a:rPr lang="zh-CN" altLang="en-US" smtClean="0"/>
-              <a:t>2020/4/16</a:t>
+              <a:t>20/4/19</a:t>
             </a:fld>
             <a:endParaRPr lang="zh-CN" altLang="en-US"/>
           </a:p>
@@ -1971,7 +1971,7 @@
           <p:cNvPr id="4" name="页脚占位符 3">
             <a:extLst>
               <a:ext uri="{FF2B5EF4-FFF2-40B4-BE49-F238E27FC236}">
-                <a16:creationId xmlns:a16="http://schemas.microsoft.com/office/drawing/2014/main" id="{1E08DCF8-2EB7-4090-B397-7B862D9C17F9}"/>
+                <a16:creationId xmlns:a16="http://schemas.microsoft.com/office/drawing/2014/main" xmlns="" id="{1E08DCF8-2EB7-4090-B397-7B862D9C17F9}"/>
               </a:ext>
             </a:extLst>
           </p:cNvPr>
@@ -1996,7 +1996,7 @@
           <p:cNvPr id="5" name="灯片编号占位符 4">
             <a:extLst>
               <a:ext uri="{FF2B5EF4-FFF2-40B4-BE49-F238E27FC236}">
-                <a16:creationId xmlns:a16="http://schemas.microsoft.com/office/drawing/2014/main" id="{675F222E-61CE-4EB4-95F0-D971269006D0}"/>
+                <a16:creationId xmlns:a16="http://schemas.microsoft.com/office/drawing/2014/main" xmlns="" id="{675F222E-61CE-4EB4-95F0-D971269006D0}"/>
               </a:ext>
             </a:extLst>
           </p:cNvPr>
@@ -2055,7 +2055,7 @@
           <p:cNvPr id="2" name="日期占位符 1">
             <a:extLst>
               <a:ext uri="{FF2B5EF4-FFF2-40B4-BE49-F238E27FC236}">
-                <a16:creationId xmlns:a16="http://schemas.microsoft.com/office/drawing/2014/main" id="{4DE6B1F4-24AE-4961-83D0-20EB42C70C2F}"/>
+                <a16:creationId xmlns:a16="http://schemas.microsoft.com/office/drawing/2014/main" xmlns="" id="{4DE6B1F4-24AE-4961-83D0-20EB42C70C2F}"/>
               </a:ext>
             </a:extLst>
           </p:cNvPr>
@@ -2073,7 +2073,7 @@
           <a:p>
             <a:fld id="{EE07146B-61D1-4998-A9A3-6D76A1909CB6}" type="datetimeFigureOut">
               <a:rPr lang="zh-CN" altLang="en-US" smtClean="0"/>
-              <a:t>2020/4/16</a:t>
+              <a:t>20/4/19</a:t>
             </a:fld>
             <a:endParaRPr lang="zh-CN" altLang="en-US"/>
           </a:p>
@@ -2084,7 +2084,7 @@
           <p:cNvPr id="3" name="页脚占位符 2">
             <a:extLst>
               <a:ext uri="{FF2B5EF4-FFF2-40B4-BE49-F238E27FC236}">
-                <a16:creationId xmlns:a16="http://schemas.microsoft.com/office/drawing/2014/main" id="{0398A647-64B0-45AD-B38F-53EDF759CF9E}"/>
+                <a16:creationId xmlns:a16="http://schemas.microsoft.com/office/drawing/2014/main" xmlns="" id="{0398A647-64B0-45AD-B38F-53EDF759CF9E}"/>
               </a:ext>
             </a:extLst>
           </p:cNvPr>
@@ -2109,7 +2109,7 @@
           <p:cNvPr id="4" name="灯片编号占位符 3">
             <a:extLst>
               <a:ext uri="{FF2B5EF4-FFF2-40B4-BE49-F238E27FC236}">
-                <a16:creationId xmlns:a16="http://schemas.microsoft.com/office/drawing/2014/main" id="{7A574E39-A773-4D18-8065-BE1BA76BAB48}"/>
+                <a16:creationId xmlns:a16="http://schemas.microsoft.com/office/drawing/2014/main" xmlns="" id="{7A574E39-A773-4D18-8065-BE1BA76BAB48}"/>
               </a:ext>
             </a:extLst>
           </p:cNvPr>
@@ -2168,7 +2168,7 @@
           <p:cNvPr id="2" name="标题 1">
             <a:extLst>
               <a:ext uri="{FF2B5EF4-FFF2-40B4-BE49-F238E27FC236}">
-                <a16:creationId xmlns:a16="http://schemas.microsoft.com/office/drawing/2014/main" id="{E3696497-819D-4E92-97CE-76DCCC5AF649}"/>
+                <a16:creationId xmlns:a16="http://schemas.microsoft.com/office/drawing/2014/main" xmlns="" id="{E3696497-819D-4E92-97CE-76DCCC5AF649}"/>
               </a:ext>
             </a:extLst>
           </p:cNvPr>
@@ -2205,7 +2205,7 @@
           <p:cNvPr id="3" name="内容占位符 2">
             <a:extLst>
               <a:ext uri="{FF2B5EF4-FFF2-40B4-BE49-F238E27FC236}">
-                <a16:creationId xmlns:a16="http://schemas.microsoft.com/office/drawing/2014/main" id="{5F25A94B-7280-4882-B5E0-39DE1F2F08B2}"/>
+                <a16:creationId xmlns:a16="http://schemas.microsoft.com/office/drawing/2014/main" xmlns="" id="{5F25A94B-7280-4882-B5E0-39DE1F2F08B2}"/>
               </a:ext>
             </a:extLst>
           </p:cNvPr>
@@ -2295,7 +2295,7 @@
           <p:cNvPr id="4" name="文本占位符 3">
             <a:extLst>
               <a:ext uri="{FF2B5EF4-FFF2-40B4-BE49-F238E27FC236}">
-                <a16:creationId xmlns:a16="http://schemas.microsoft.com/office/drawing/2014/main" id="{9920DABC-7BE6-4C16-89F3-9CBF204E0408}"/>
+                <a16:creationId xmlns:a16="http://schemas.microsoft.com/office/drawing/2014/main" xmlns="" id="{9920DABC-7BE6-4C16-89F3-9CBF204E0408}"/>
               </a:ext>
             </a:extLst>
           </p:cNvPr>
@@ -2366,7 +2366,7 @@
           <p:cNvPr id="5" name="日期占位符 4">
             <a:extLst>
               <a:ext uri="{FF2B5EF4-FFF2-40B4-BE49-F238E27FC236}">
-                <a16:creationId xmlns:a16="http://schemas.microsoft.com/office/drawing/2014/main" id="{DD0B4E0D-7448-49CC-8B22-8457AA5C78CE}"/>
+                <a16:creationId xmlns:a16="http://schemas.microsoft.com/office/drawing/2014/main" xmlns="" id="{DD0B4E0D-7448-49CC-8B22-8457AA5C78CE}"/>
               </a:ext>
             </a:extLst>
           </p:cNvPr>
@@ -2384,7 +2384,7 @@
           <a:p>
             <a:fld id="{EE07146B-61D1-4998-A9A3-6D76A1909CB6}" type="datetimeFigureOut">
               <a:rPr lang="zh-CN" altLang="en-US" smtClean="0"/>
-              <a:t>2020/4/16</a:t>
+              <a:t>20/4/19</a:t>
             </a:fld>
             <a:endParaRPr lang="zh-CN" altLang="en-US"/>
           </a:p>
@@ -2395,7 +2395,7 @@
           <p:cNvPr id="6" name="页脚占位符 5">
             <a:extLst>
               <a:ext uri="{FF2B5EF4-FFF2-40B4-BE49-F238E27FC236}">
-                <a16:creationId xmlns:a16="http://schemas.microsoft.com/office/drawing/2014/main" id="{010011BB-AF35-4273-8F90-6869DED2C1DC}"/>
+                <a16:creationId xmlns:a16="http://schemas.microsoft.com/office/drawing/2014/main" xmlns="" id="{010011BB-AF35-4273-8F90-6869DED2C1DC}"/>
               </a:ext>
             </a:extLst>
           </p:cNvPr>
@@ -2420,7 +2420,7 @@
           <p:cNvPr id="7" name="灯片编号占位符 6">
             <a:extLst>
               <a:ext uri="{FF2B5EF4-FFF2-40B4-BE49-F238E27FC236}">
-                <a16:creationId xmlns:a16="http://schemas.microsoft.com/office/drawing/2014/main" id="{097FD392-9E11-4ACA-963F-2E265FC1C31C}"/>
+                <a16:creationId xmlns:a16="http://schemas.microsoft.com/office/drawing/2014/main" xmlns="" id="{097FD392-9E11-4ACA-963F-2E265FC1C31C}"/>
               </a:ext>
             </a:extLst>
           </p:cNvPr>
@@ -2479,7 +2479,7 @@
           <p:cNvPr id="2" name="标题 1">
             <a:extLst>
               <a:ext uri="{FF2B5EF4-FFF2-40B4-BE49-F238E27FC236}">
-                <a16:creationId xmlns:a16="http://schemas.microsoft.com/office/drawing/2014/main" id="{4643A863-D664-4604-99AC-115018F5B82A}"/>
+                <a16:creationId xmlns:a16="http://schemas.microsoft.com/office/drawing/2014/main" xmlns="" id="{4643A863-D664-4604-99AC-115018F5B82A}"/>
               </a:ext>
             </a:extLst>
           </p:cNvPr>
@@ -2516,7 +2516,7 @@
           <p:cNvPr id="3" name="图片占位符 2">
             <a:extLst>
               <a:ext uri="{FF2B5EF4-FFF2-40B4-BE49-F238E27FC236}">
-                <a16:creationId xmlns:a16="http://schemas.microsoft.com/office/drawing/2014/main" id="{983DCAE4-F92E-4041-93BF-09C08ACBBB99}"/>
+                <a16:creationId xmlns:a16="http://schemas.microsoft.com/office/drawing/2014/main" xmlns="" id="{983DCAE4-F92E-4041-93BF-09C08ACBBB99}"/>
               </a:ext>
             </a:extLst>
           </p:cNvPr>
@@ -2583,7 +2583,7 @@
           <p:cNvPr id="4" name="文本占位符 3">
             <a:extLst>
               <a:ext uri="{FF2B5EF4-FFF2-40B4-BE49-F238E27FC236}">
-                <a16:creationId xmlns:a16="http://schemas.microsoft.com/office/drawing/2014/main" id="{2F5F39D3-0341-49ED-BC31-2B283933DB57}"/>
+                <a16:creationId xmlns:a16="http://schemas.microsoft.com/office/drawing/2014/main" xmlns="" id="{2F5F39D3-0341-49ED-BC31-2B283933DB57}"/>
               </a:ext>
             </a:extLst>
           </p:cNvPr>
@@ -2654,7 +2654,7 @@
           <p:cNvPr id="5" name="日期占位符 4">
             <a:extLst>
               <a:ext uri="{FF2B5EF4-FFF2-40B4-BE49-F238E27FC236}">
-                <a16:creationId xmlns:a16="http://schemas.microsoft.com/office/drawing/2014/main" id="{BDE86C06-3219-48BE-B0A1-9105B6E3E5ED}"/>
+                <a16:creationId xmlns:a16="http://schemas.microsoft.com/office/drawing/2014/main" xmlns="" id="{BDE86C06-3219-48BE-B0A1-9105B6E3E5ED}"/>
               </a:ext>
             </a:extLst>
           </p:cNvPr>
@@ -2672,7 +2672,7 @@
           <a:p>
             <a:fld id="{EE07146B-61D1-4998-A9A3-6D76A1909CB6}" type="datetimeFigureOut">
               <a:rPr lang="zh-CN" altLang="en-US" smtClean="0"/>
-              <a:t>2020/4/16</a:t>
+              <a:t>20/4/19</a:t>
             </a:fld>
             <a:endParaRPr lang="zh-CN" altLang="en-US"/>
           </a:p>
@@ -2683,7 +2683,7 @@
           <p:cNvPr id="6" name="页脚占位符 5">
             <a:extLst>
               <a:ext uri="{FF2B5EF4-FFF2-40B4-BE49-F238E27FC236}">
-                <a16:creationId xmlns:a16="http://schemas.microsoft.com/office/drawing/2014/main" id="{07901859-B9E7-461D-9996-9E1907550EAF}"/>
+                <a16:creationId xmlns:a16="http://schemas.microsoft.com/office/drawing/2014/main" xmlns="" id="{07901859-B9E7-461D-9996-9E1907550EAF}"/>
               </a:ext>
             </a:extLst>
           </p:cNvPr>
@@ -2708,7 +2708,7 @@
           <p:cNvPr id="7" name="灯片编号占位符 6">
             <a:extLst>
               <a:ext uri="{FF2B5EF4-FFF2-40B4-BE49-F238E27FC236}">
-                <a16:creationId xmlns:a16="http://schemas.microsoft.com/office/drawing/2014/main" id="{1AD27A8E-897A-4728-881D-45435886D172}"/>
+                <a16:creationId xmlns:a16="http://schemas.microsoft.com/office/drawing/2014/main" xmlns="" id="{1AD27A8E-897A-4728-881D-45435886D172}"/>
               </a:ext>
             </a:extLst>
           </p:cNvPr>
@@ -2772,7 +2772,7 @@
           <p:cNvPr id="2" name="标题占位符 1">
             <a:extLst>
               <a:ext uri="{FF2B5EF4-FFF2-40B4-BE49-F238E27FC236}">
-                <a16:creationId xmlns:a16="http://schemas.microsoft.com/office/drawing/2014/main" id="{02FB3689-0B60-451F-9C94-C4EB3A36AFAD}"/>
+                <a16:creationId xmlns:a16="http://schemas.microsoft.com/office/drawing/2014/main" xmlns="" id="{02FB3689-0B60-451F-9C94-C4EB3A36AFAD}"/>
               </a:ext>
             </a:extLst>
           </p:cNvPr>
@@ -2810,7 +2810,7 @@
           <p:cNvPr id="3" name="文本占位符 2">
             <a:extLst>
               <a:ext uri="{FF2B5EF4-FFF2-40B4-BE49-F238E27FC236}">
-                <a16:creationId xmlns:a16="http://schemas.microsoft.com/office/drawing/2014/main" id="{4F275B22-ACDC-4473-A862-F7B15D250D52}"/>
+                <a16:creationId xmlns:a16="http://schemas.microsoft.com/office/drawing/2014/main" xmlns="" id="{4F275B22-ACDC-4473-A862-F7B15D250D52}"/>
               </a:ext>
             </a:extLst>
           </p:cNvPr>
@@ -2877,7 +2877,7 @@
           <p:cNvPr id="4" name="日期占位符 3">
             <a:extLst>
               <a:ext uri="{FF2B5EF4-FFF2-40B4-BE49-F238E27FC236}">
-                <a16:creationId xmlns:a16="http://schemas.microsoft.com/office/drawing/2014/main" id="{A8F94424-8AF0-4C8C-8551-63E5ACA2663F}"/>
+                <a16:creationId xmlns:a16="http://schemas.microsoft.com/office/drawing/2014/main" xmlns="" id="{A8F94424-8AF0-4C8C-8551-63E5ACA2663F}"/>
               </a:ext>
             </a:extLst>
           </p:cNvPr>
@@ -2913,7 +2913,7 @@
           <a:p>
             <a:fld id="{EE07146B-61D1-4998-A9A3-6D76A1909CB6}" type="datetimeFigureOut">
               <a:rPr lang="zh-CN" altLang="en-US" smtClean="0"/>
-              <a:t>2020/4/16</a:t>
+              <a:t>20/4/19</a:t>
             </a:fld>
             <a:endParaRPr lang="zh-CN" altLang="en-US"/>
           </a:p>
@@ -2924,7 +2924,7 @@
           <p:cNvPr id="5" name="页脚占位符 4">
             <a:extLst>
               <a:ext uri="{FF2B5EF4-FFF2-40B4-BE49-F238E27FC236}">
-                <a16:creationId xmlns:a16="http://schemas.microsoft.com/office/drawing/2014/main" id="{49C53937-50A8-4E1E-A9C2-A5ECB91B9FE4}"/>
+                <a16:creationId xmlns:a16="http://schemas.microsoft.com/office/drawing/2014/main" xmlns="" id="{49C53937-50A8-4E1E-A9C2-A5ECB91B9FE4}"/>
               </a:ext>
             </a:extLst>
           </p:cNvPr>
@@ -2967,7 +2967,7 @@
           <p:cNvPr id="6" name="灯片编号占位符 5">
             <a:extLst>
               <a:ext uri="{FF2B5EF4-FFF2-40B4-BE49-F238E27FC236}">
-                <a16:creationId xmlns:a16="http://schemas.microsoft.com/office/drawing/2014/main" id="{F13FD819-39FE-4D36-91B8-C8B994344D23}"/>
+                <a16:creationId xmlns:a16="http://schemas.microsoft.com/office/drawing/2014/main" xmlns="" id="{F13FD819-39FE-4D36-91B8-C8B994344D23}"/>
               </a:ext>
             </a:extLst>
           </p:cNvPr>
@@ -3335,7 +3335,7 @@
           <p:cNvPr id="2" name="标题 1">
             <a:extLst>
               <a:ext uri="{FF2B5EF4-FFF2-40B4-BE49-F238E27FC236}">
-                <a16:creationId xmlns:a16="http://schemas.microsoft.com/office/drawing/2014/main" id="{BE61BF87-A775-4225-AB50-68D611406FFD}"/>
+                <a16:creationId xmlns:a16="http://schemas.microsoft.com/office/drawing/2014/main" xmlns="" id="{BE61BF87-A775-4225-AB50-68D611406FFD}"/>
               </a:ext>
             </a:extLst>
           </p:cNvPr>
@@ -3371,7 +3371,7 @@
           <p:cNvPr id="3" name="内容占位符 2">
             <a:extLst>
               <a:ext uri="{FF2B5EF4-FFF2-40B4-BE49-F238E27FC236}">
-                <a16:creationId xmlns:a16="http://schemas.microsoft.com/office/drawing/2014/main" id="{87DB5047-0C2D-4159-BED2-EBB53877DB1C}"/>
+                <a16:creationId xmlns:a16="http://schemas.microsoft.com/office/drawing/2014/main" xmlns="" id="{87DB5047-0C2D-4159-BED2-EBB53877DB1C}"/>
               </a:ext>
             </a:extLst>
           </p:cNvPr>
@@ -3489,7 +3489,7 @@
           <p:cNvPr id="4" name="矩形: 圆角 3">
             <a:extLst>
               <a:ext uri="{FF2B5EF4-FFF2-40B4-BE49-F238E27FC236}">
-                <a16:creationId xmlns:a16="http://schemas.microsoft.com/office/drawing/2014/main" id="{12792527-3C7B-4E46-B63E-0A0A28B2019E}"/>
+                <a16:creationId xmlns:a16="http://schemas.microsoft.com/office/drawing/2014/main" xmlns="" id="{12792527-3C7B-4E46-B63E-0A0A28B2019E}"/>
               </a:ext>
             </a:extLst>
           </p:cNvPr>
@@ -3561,7 +3561,7 @@
           <p:cNvPr id="10" name="矩形: 圆角 9">
             <a:extLst>
               <a:ext uri="{FF2B5EF4-FFF2-40B4-BE49-F238E27FC236}">
-                <a16:creationId xmlns:a16="http://schemas.microsoft.com/office/drawing/2014/main" id="{5C333A58-EE6C-4693-A71E-B6B455379DE2}"/>
+                <a16:creationId xmlns:a16="http://schemas.microsoft.com/office/drawing/2014/main" xmlns="" id="{5C333A58-EE6C-4693-A71E-B6B455379DE2}"/>
               </a:ext>
             </a:extLst>
           </p:cNvPr>
@@ -3618,7 +3618,7 @@
           <p:cNvPr id="12" name="矩形 11">
             <a:extLst>
               <a:ext uri="{FF2B5EF4-FFF2-40B4-BE49-F238E27FC236}">
-                <a16:creationId xmlns:a16="http://schemas.microsoft.com/office/drawing/2014/main" id="{11C9F450-9A7E-4D4B-BDB1-388803C80067}"/>
+                <a16:creationId xmlns:a16="http://schemas.microsoft.com/office/drawing/2014/main" xmlns="" id="{11C9F450-9A7E-4D4B-BDB1-388803C80067}"/>
               </a:ext>
             </a:extLst>
           </p:cNvPr>
@@ -3665,7 +3665,7 @@
           <p:cNvPr id="13" name="矩形 12">
             <a:extLst>
               <a:ext uri="{FF2B5EF4-FFF2-40B4-BE49-F238E27FC236}">
-                <a16:creationId xmlns:a16="http://schemas.microsoft.com/office/drawing/2014/main" id="{5FEDE3D4-A677-45C0-B108-F0DED74CFF70}"/>
+                <a16:creationId xmlns:a16="http://schemas.microsoft.com/office/drawing/2014/main" xmlns="" id="{5FEDE3D4-A677-45C0-B108-F0DED74CFF70}"/>
               </a:ext>
             </a:extLst>
           </p:cNvPr>
@@ -3722,7 +3722,7 @@
           <p:cNvPr id="15" name="文本框 14">
             <a:extLst>
               <a:ext uri="{FF2B5EF4-FFF2-40B4-BE49-F238E27FC236}">
-                <a16:creationId xmlns:a16="http://schemas.microsoft.com/office/drawing/2014/main" id="{3DE96BBC-11EE-44FD-B27C-C5A98EBD9BA5}"/>
+                <a16:creationId xmlns:a16="http://schemas.microsoft.com/office/drawing/2014/main" xmlns="" id="{3DE96BBC-11EE-44FD-B27C-C5A98EBD9BA5}"/>
               </a:ext>
             </a:extLst>
           </p:cNvPr>
@@ -3786,7 +3786,7 @@
           <p:cNvPr id="16" name="矩形: 圆角 15">
             <a:extLst>
               <a:ext uri="{FF2B5EF4-FFF2-40B4-BE49-F238E27FC236}">
-                <a16:creationId xmlns:a16="http://schemas.microsoft.com/office/drawing/2014/main" id="{CABCB9BE-64AD-42AB-877D-6DD9F7D36BAD}"/>
+                <a16:creationId xmlns:a16="http://schemas.microsoft.com/office/drawing/2014/main" xmlns="" id="{CABCB9BE-64AD-42AB-877D-6DD9F7D36BAD}"/>
               </a:ext>
             </a:extLst>
           </p:cNvPr>
@@ -3836,7 +3836,7 @@
           <p:cNvPr id="17" name="矩形: 圆角 16">
             <a:extLst>
               <a:ext uri="{FF2B5EF4-FFF2-40B4-BE49-F238E27FC236}">
-                <a16:creationId xmlns:a16="http://schemas.microsoft.com/office/drawing/2014/main" id="{13DC9747-CBAE-4ADC-937A-E40F9287B71E}"/>
+                <a16:creationId xmlns:a16="http://schemas.microsoft.com/office/drawing/2014/main" xmlns="" id="{13DC9747-CBAE-4ADC-937A-E40F9287B71E}"/>
               </a:ext>
             </a:extLst>
           </p:cNvPr>
@@ -3886,7 +3886,7 @@
           <p:cNvPr id="18" name="矩形: 圆角 17">
             <a:extLst>
               <a:ext uri="{FF2B5EF4-FFF2-40B4-BE49-F238E27FC236}">
-                <a16:creationId xmlns:a16="http://schemas.microsoft.com/office/drawing/2014/main" id="{63C0D065-6128-4ADF-B434-0B653C3E9DD7}"/>
+                <a16:creationId xmlns:a16="http://schemas.microsoft.com/office/drawing/2014/main" xmlns="" id="{63C0D065-6128-4ADF-B434-0B653C3E9DD7}"/>
               </a:ext>
             </a:extLst>
           </p:cNvPr>
@@ -3942,7 +3942,7 @@
           <p:cNvPr id="19" name="矩形: 圆角 18">
             <a:extLst>
               <a:ext uri="{FF2B5EF4-FFF2-40B4-BE49-F238E27FC236}">
-                <a16:creationId xmlns:a16="http://schemas.microsoft.com/office/drawing/2014/main" id="{4B247984-9CF2-4FBE-B179-D8FD67DF2A95}"/>
+                <a16:creationId xmlns:a16="http://schemas.microsoft.com/office/drawing/2014/main" xmlns="" id="{4B247984-9CF2-4FBE-B179-D8FD67DF2A95}"/>
               </a:ext>
             </a:extLst>
           </p:cNvPr>
@@ -4041,7 +4041,7 @@
           <p:cNvPr id="12" name="矩形 11">
             <a:extLst>
               <a:ext uri="{FF2B5EF4-FFF2-40B4-BE49-F238E27FC236}">
-                <a16:creationId xmlns:a16="http://schemas.microsoft.com/office/drawing/2014/main" id="{11C9F450-9A7E-4D4B-BDB1-388803C80067}"/>
+                <a16:creationId xmlns:a16="http://schemas.microsoft.com/office/drawing/2014/main" xmlns="" id="{11C9F450-9A7E-4D4B-BDB1-388803C80067}"/>
               </a:ext>
             </a:extLst>
           </p:cNvPr>
@@ -4088,7 +4088,7 @@
           <p:cNvPr id="11" name="矩形: 圆角 10">
             <a:extLst>
               <a:ext uri="{FF2B5EF4-FFF2-40B4-BE49-F238E27FC236}">
-                <a16:creationId xmlns:a16="http://schemas.microsoft.com/office/drawing/2014/main" id="{46BC7CA0-7039-4AD8-AD1A-34EDCC249348}"/>
+                <a16:creationId xmlns:a16="http://schemas.microsoft.com/office/drawing/2014/main" xmlns="" id="{46BC7CA0-7039-4AD8-AD1A-34EDCC249348}"/>
               </a:ext>
             </a:extLst>
           </p:cNvPr>
@@ -4141,7 +4141,7 @@
           <p:cNvPr id="13" name="矩形: 圆角 12">
             <a:extLst>
               <a:ext uri="{FF2B5EF4-FFF2-40B4-BE49-F238E27FC236}">
-                <a16:creationId xmlns:a16="http://schemas.microsoft.com/office/drawing/2014/main" id="{CAAE198C-BFB8-4B07-A8D5-FDAC0A303BCA}"/>
+                <a16:creationId xmlns:a16="http://schemas.microsoft.com/office/drawing/2014/main" xmlns="" id="{CAAE198C-BFB8-4B07-A8D5-FDAC0A303BCA}"/>
               </a:ext>
             </a:extLst>
           </p:cNvPr>
@@ -4198,7 +4198,7 @@
           <p:cNvPr id="14" name="矩形: 圆角 13">
             <a:extLst>
               <a:ext uri="{FF2B5EF4-FFF2-40B4-BE49-F238E27FC236}">
-                <a16:creationId xmlns:a16="http://schemas.microsoft.com/office/drawing/2014/main" id="{CAA5DAE5-A7F8-45BC-9FA5-E2B1C2459B48}"/>
+                <a16:creationId xmlns:a16="http://schemas.microsoft.com/office/drawing/2014/main" xmlns="" id="{CAA5DAE5-A7F8-45BC-9FA5-E2B1C2459B48}"/>
               </a:ext>
             </a:extLst>
           </p:cNvPr>
@@ -4255,7 +4255,7 @@
           <p:cNvPr id="15" name="矩形: 圆角 14">
             <a:extLst>
               <a:ext uri="{FF2B5EF4-FFF2-40B4-BE49-F238E27FC236}">
-                <a16:creationId xmlns:a16="http://schemas.microsoft.com/office/drawing/2014/main" id="{B2AD985B-04C9-42EE-A247-C5DA7D1C695E}"/>
+                <a16:creationId xmlns:a16="http://schemas.microsoft.com/office/drawing/2014/main" xmlns="" id="{B2AD985B-04C9-42EE-A247-C5DA7D1C695E}"/>
               </a:ext>
             </a:extLst>
           </p:cNvPr>
@@ -4305,7 +4305,7 @@
           <p:cNvPr id="2" name="文本框 1">
             <a:extLst>
               <a:ext uri="{FF2B5EF4-FFF2-40B4-BE49-F238E27FC236}">
-                <a16:creationId xmlns:a16="http://schemas.microsoft.com/office/drawing/2014/main" id="{483F0DA2-6E28-4C8C-855D-DF5B3982ED44}"/>
+                <a16:creationId xmlns:a16="http://schemas.microsoft.com/office/drawing/2014/main" xmlns="" id="{483F0DA2-6E28-4C8C-855D-DF5B3982ED44}"/>
               </a:ext>
             </a:extLst>
           </p:cNvPr>
@@ -4340,7 +4340,7 @@
           <p:cNvPr id="17" name="矩形: 圆角 16">
             <a:extLst>
               <a:ext uri="{FF2B5EF4-FFF2-40B4-BE49-F238E27FC236}">
-                <a16:creationId xmlns:a16="http://schemas.microsoft.com/office/drawing/2014/main" id="{DA214BA9-EA12-410E-A9E1-D0FA4ED3ECF0}"/>
+                <a16:creationId xmlns:a16="http://schemas.microsoft.com/office/drawing/2014/main" xmlns="" id="{DA214BA9-EA12-410E-A9E1-D0FA4ED3ECF0}"/>
               </a:ext>
             </a:extLst>
           </p:cNvPr>
@@ -4435,7 +4435,7 @@
           <p:cNvPr id="2" name="标题 1">
             <a:extLst>
               <a:ext uri="{FF2B5EF4-FFF2-40B4-BE49-F238E27FC236}">
-                <a16:creationId xmlns:a16="http://schemas.microsoft.com/office/drawing/2014/main" id="{E5D957E7-1847-45B1-8931-D0FEF9CCE4FB}"/>
+                <a16:creationId xmlns:a16="http://schemas.microsoft.com/office/drawing/2014/main" xmlns="" id="{E5D957E7-1847-45B1-8931-D0FEF9CCE4FB}"/>
               </a:ext>
             </a:extLst>
           </p:cNvPr>
@@ -4463,7 +4463,7 @@
           <p:cNvPr id="4" name="内容占位符 3">
             <a:extLst>
               <a:ext uri="{FF2B5EF4-FFF2-40B4-BE49-F238E27FC236}">
-                <a16:creationId xmlns:a16="http://schemas.microsoft.com/office/drawing/2014/main" id="{DC0F22A0-1F4F-4834-958F-8C287B6DE3D3}"/>
+                <a16:creationId xmlns:a16="http://schemas.microsoft.com/office/drawing/2014/main" xmlns="" id="{DC0F22A0-1F4F-4834-958F-8C287B6DE3D3}"/>
               </a:ext>
             </a:extLst>
           </p:cNvPr>
@@ -4543,7 +4543,7 @@
           <p:cNvPr id="2" name="标题 1">
             <a:extLst>
               <a:ext uri="{FF2B5EF4-FFF2-40B4-BE49-F238E27FC236}">
-                <a16:creationId xmlns:a16="http://schemas.microsoft.com/office/drawing/2014/main" id="{D4FF1D79-0DF3-477C-B25F-0EE57323427B}"/>
+                <a16:creationId xmlns:a16="http://schemas.microsoft.com/office/drawing/2014/main" xmlns="" id="{D4FF1D79-0DF3-477C-B25F-0EE57323427B}"/>
               </a:ext>
             </a:extLst>
           </p:cNvPr>
@@ -4559,7 +4559,11 @@
           <a:bodyPr/>
           <a:lstStyle/>
           <a:p>
-            <a:endParaRPr lang="zh-CN" altLang="en-US"/>
+            <a:r>
+              <a:rPr lang="zh-CN" altLang="en-US" dirty="0" smtClean="0"/>
+              <a:t>计划定了！  日记！</a:t>
+            </a:r>
+            <a:endParaRPr lang="zh-CN" altLang="en-US" dirty="0"/>
           </a:p>
         </p:txBody>
       </p:sp>
@@ -4568,7 +4572,7 @@
           <p:cNvPr id="3" name="内容占位符 2">
             <a:extLst>
               <a:ext uri="{FF2B5EF4-FFF2-40B4-BE49-F238E27FC236}">
-                <a16:creationId xmlns:a16="http://schemas.microsoft.com/office/drawing/2014/main" id="{55927A29-51BD-4F19-B483-AB7AFE150862}"/>
+                <a16:creationId xmlns:a16="http://schemas.microsoft.com/office/drawing/2014/main" xmlns="" id="{55927A29-51BD-4F19-B483-AB7AFE150862}"/>
               </a:ext>
             </a:extLst>
           </p:cNvPr>
@@ -4584,7 +4588,45 @@
           <a:bodyPr/>
           <a:lstStyle/>
           <a:p>
-            <a:endParaRPr lang="zh-CN" altLang="en-US"/>
+            <a:r>
+              <a:rPr lang="en-US" altLang="zh-CN" dirty="0" smtClean="0"/>
+              <a:t>1</a:t>
+            </a:r>
+            <a:r>
+              <a:rPr lang="zh-CN" altLang="en-US" dirty="0" smtClean="0"/>
+              <a:t>、功能：登录（权限）</a:t>
+            </a:r>
+            <a:r>
+              <a:rPr lang="zh-CN" altLang="en-US" dirty="0" smtClean="0"/>
+              <a:t>、增加（</a:t>
+            </a:r>
+            <a:r>
+              <a:rPr lang="en-US" altLang="zh-CN" dirty="0" smtClean="0"/>
+              <a:t>2</a:t>
+            </a:r>
+            <a:r>
+              <a:rPr lang="zh-CN" altLang="en-US" dirty="0" smtClean="0"/>
+              <a:t>个表，一个用于标题等内容，一个日记内容）、查询（周期查询等）、修改等、下载导出功能。</a:t>
+            </a:r>
+            <a:endParaRPr lang="en-US" altLang="zh-CN" dirty="0" smtClean="0"/>
+          </a:p>
+          <a:p>
+            <a:r>
+              <a:rPr lang="en-US" altLang="zh-CN" dirty="0" smtClean="0"/>
+              <a:t>2</a:t>
+            </a:r>
+            <a:r>
+              <a:rPr lang="zh-CN" altLang="en-US" dirty="0" smtClean="0"/>
+              <a:t>、先是框架后内容</a:t>
+            </a:r>
+            <a:endParaRPr lang="en-US" altLang="zh-CN" dirty="0" smtClean="0"/>
+          </a:p>
+          <a:p>
+            <a:r>
+              <a:rPr lang="zh-CN" altLang="en-US" dirty="0" smtClean="0"/>
+              <a:t>都尽量涉及到。 </a:t>
+            </a:r>
+            <a:endParaRPr lang="zh-CN" altLang="en-US" dirty="0"/>
           </a:p>
         </p:txBody>
       </p:sp>

--- a/document/0415_newStart.pptx
+++ b/document/0415_newStart.pptx
@@ -138,7 +138,7 @@
           <p:cNvPr id="2" name="标题 1">
             <a:extLst>
               <a:ext uri="{FF2B5EF4-FFF2-40B4-BE49-F238E27FC236}">
-                <a16:creationId xmlns:a16="http://schemas.microsoft.com/office/drawing/2014/main" xmlns="" id="{15F17601-5DD3-44EC-8D78-5500CCA31613}"/>
+                <a16:creationId xmlns:a16="http://schemas.microsoft.com/office/drawing/2014/main" id="{15F17601-5DD3-44EC-8D78-5500CCA31613}"/>
               </a:ext>
             </a:extLst>
           </p:cNvPr>
@@ -175,7 +175,7 @@
           <p:cNvPr id="3" name="副标题 2">
             <a:extLst>
               <a:ext uri="{FF2B5EF4-FFF2-40B4-BE49-F238E27FC236}">
-                <a16:creationId xmlns:a16="http://schemas.microsoft.com/office/drawing/2014/main" xmlns="" id="{D24A2138-156C-403E-B6DB-C617F7E48637}"/>
+                <a16:creationId xmlns:a16="http://schemas.microsoft.com/office/drawing/2014/main" id="{D24A2138-156C-403E-B6DB-C617F7E48637}"/>
               </a:ext>
             </a:extLst>
           </p:cNvPr>
@@ -245,7 +245,7 @@
           <p:cNvPr id="4" name="日期占位符 3">
             <a:extLst>
               <a:ext uri="{FF2B5EF4-FFF2-40B4-BE49-F238E27FC236}">
-                <a16:creationId xmlns:a16="http://schemas.microsoft.com/office/drawing/2014/main" xmlns="" id="{1D510876-9FC8-4C7A-8ED6-DF714892CE7A}"/>
+                <a16:creationId xmlns:a16="http://schemas.microsoft.com/office/drawing/2014/main" id="{1D510876-9FC8-4C7A-8ED6-DF714892CE7A}"/>
               </a:ext>
             </a:extLst>
           </p:cNvPr>
@@ -263,7 +263,7 @@
           <a:p>
             <a:fld id="{EE07146B-61D1-4998-A9A3-6D76A1909CB6}" type="datetimeFigureOut">
               <a:rPr lang="zh-CN" altLang="en-US" smtClean="0"/>
-              <a:t>20/4/19</a:t>
+              <a:t>2020/4/20</a:t>
             </a:fld>
             <a:endParaRPr lang="zh-CN" altLang="en-US"/>
           </a:p>
@@ -274,7 +274,7 @@
           <p:cNvPr id="5" name="页脚占位符 4">
             <a:extLst>
               <a:ext uri="{FF2B5EF4-FFF2-40B4-BE49-F238E27FC236}">
-                <a16:creationId xmlns:a16="http://schemas.microsoft.com/office/drawing/2014/main" xmlns="" id="{F6D7496D-B4A8-46EF-800A-84577455A115}"/>
+                <a16:creationId xmlns:a16="http://schemas.microsoft.com/office/drawing/2014/main" id="{F6D7496D-B4A8-46EF-800A-84577455A115}"/>
               </a:ext>
             </a:extLst>
           </p:cNvPr>
@@ -299,7 +299,7 @@
           <p:cNvPr id="6" name="灯片编号占位符 5">
             <a:extLst>
               <a:ext uri="{FF2B5EF4-FFF2-40B4-BE49-F238E27FC236}">
-                <a16:creationId xmlns:a16="http://schemas.microsoft.com/office/drawing/2014/main" xmlns="" id="{DD49B62A-40B7-437A-8377-1561316B21D6}"/>
+                <a16:creationId xmlns:a16="http://schemas.microsoft.com/office/drawing/2014/main" id="{DD49B62A-40B7-437A-8377-1561316B21D6}"/>
               </a:ext>
             </a:extLst>
           </p:cNvPr>
@@ -358,7 +358,7 @@
           <p:cNvPr id="2" name="标题 1">
             <a:extLst>
               <a:ext uri="{FF2B5EF4-FFF2-40B4-BE49-F238E27FC236}">
-                <a16:creationId xmlns:a16="http://schemas.microsoft.com/office/drawing/2014/main" xmlns="" id="{0DCEBE73-265B-4BDF-89E1-DBA06A465AB4}"/>
+                <a16:creationId xmlns:a16="http://schemas.microsoft.com/office/drawing/2014/main" id="{0DCEBE73-265B-4BDF-89E1-DBA06A465AB4}"/>
               </a:ext>
             </a:extLst>
           </p:cNvPr>
@@ -386,7 +386,7 @@
           <p:cNvPr id="3" name="竖排文字占位符 2">
             <a:extLst>
               <a:ext uri="{FF2B5EF4-FFF2-40B4-BE49-F238E27FC236}">
-                <a16:creationId xmlns:a16="http://schemas.microsoft.com/office/drawing/2014/main" xmlns="" id="{E4947981-0037-4A28-A0DD-3E7D566CF4D2}"/>
+                <a16:creationId xmlns:a16="http://schemas.microsoft.com/office/drawing/2014/main" id="{E4947981-0037-4A28-A0DD-3E7D566CF4D2}"/>
               </a:ext>
             </a:extLst>
           </p:cNvPr>
@@ -443,7 +443,7 @@
           <p:cNvPr id="4" name="日期占位符 3">
             <a:extLst>
               <a:ext uri="{FF2B5EF4-FFF2-40B4-BE49-F238E27FC236}">
-                <a16:creationId xmlns:a16="http://schemas.microsoft.com/office/drawing/2014/main" xmlns="" id="{C548F669-FB62-4E0B-A6EF-71520FD7A20B}"/>
+                <a16:creationId xmlns:a16="http://schemas.microsoft.com/office/drawing/2014/main" id="{C548F669-FB62-4E0B-A6EF-71520FD7A20B}"/>
               </a:ext>
             </a:extLst>
           </p:cNvPr>
@@ -461,7 +461,7 @@
           <a:p>
             <a:fld id="{EE07146B-61D1-4998-A9A3-6D76A1909CB6}" type="datetimeFigureOut">
               <a:rPr lang="zh-CN" altLang="en-US" smtClean="0"/>
-              <a:t>20/4/19</a:t>
+              <a:t>2020/4/20</a:t>
             </a:fld>
             <a:endParaRPr lang="zh-CN" altLang="en-US"/>
           </a:p>
@@ -472,7 +472,7 @@
           <p:cNvPr id="5" name="页脚占位符 4">
             <a:extLst>
               <a:ext uri="{FF2B5EF4-FFF2-40B4-BE49-F238E27FC236}">
-                <a16:creationId xmlns:a16="http://schemas.microsoft.com/office/drawing/2014/main" xmlns="" id="{87F22989-4BA6-4B54-82F7-99C7E368C8CD}"/>
+                <a16:creationId xmlns:a16="http://schemas.microsoft.com/office/drawing/2014/main" id="{87F22989-4BA6-4B54-82F7-99C7E368C8CD}"/>
               </a:ext>
             </a:extLst>
           </p:cNvPr>
@@ -497,7 +497,7 @@
           <p:cNvPr id="6" name="灯片编号占位符 5">
             <a:extLst>
               <a:ext uri="{FF2B5EF4-FFF2-40B4-BE49-F238E27FC236}">
-                <a16:creationId xmlns:a16="http://schemas.microsoft.com/office/drawing/2014/main" xmlns="" id="{44B166CF-2038-4473-B391-AD1D7A150F78}"/>
+                <a16:creationId xmlns:a16="http://schemas.microsoft.com/office/drawing/2014/main" id="{44B166CF-2038-4473-B391-AD1D7A150F78}"/>
               </a:ext>
             </a:extLst>
           </p:cNvPr>
@@ -556,7 +556,7 @@
           <p:cNvPr id="2" name="竖排标题 1">
             <a:extLst>
               <a:ext uri="{FF2B5EF4-FFF2-40B4-BE49-F238E27FC236}">
-                <a16:creationId xmlns:a16="http://schemas.microsoft.com/office/drawing/2014/main" xmlns="" id="{D2CAB4F2-ACBB-4DF3-94BD-5DDFF0EC4BC8}"/>
+                <a16:creationId xmlns:a16="http://schemas.microsoft.com/office/drawing/2014/main" id="{D2CAB4F2-ACBB-4DF3-94BD-5DDFF0EC4BC8}"/>
               </a:ext>
             </a:extLst>
           </p:cNvPr>
@@ -589,7 +589,7 @@
           <p:cNvPr id="3" name="竖排文字占位符 2">
             <a:extLst>
               <a:ext uri="{FF2B5EF4-FFF2-40B4-BE49-F238E27FC236}">
-                <a16:creationId xmlns:a16="http://schemas.microsoft.com/office/drawing/2014/main" xmlns="" id="{E05CD7B8-78D3-4929-ACF4-B929737F1EF5}"/>
+                <a16:creationId xmlns:a16="http://schemas.microsoft.com/office/drawing/2014/main" id="{E05CD7B8-78D3-4929-ACF4-B929737F1EF5}"/>
               </a:ext>
             </a:extLst>
           </p:cNvPr>
@@ -651,7 +651,7 @@
           <p:cNvPr id="4" name="日期占位符 3">
             <a:extLst>
               <a:ext uri="{FF2B5EF4-FFF2-40B4-BE49-F238E27FC236}">
-                <a16:creationId xmlns:a16="http://schemas.microsoft.com/office/drawing/2014/main" xmlns="" id="{189DE80C-38C9-42CE-BF54-31A1C83DDD9B}"/>
+                <a16:creationId xmlns:a16="http://schemas.microsoft.com/office/drawing/2014/main" id="{189DE80C-38C9-42CE-BF54-31A1C83DDD9B}"/>
               </a:ext>
             </a:extLst>
           </p:cNvPr>
@@ -669,7 +669,7 @@
           <a:p>
             <a:fld id="{EE07146B-61D1-4998-A9A3-6D76A1909CB6}" type="datetimeFigureOut">
               <a:rPr lang="zh-CN" altLang="en-US" smtClean="0"/>
-              <a:t>20/4/19</a:t>
+              <a:t>2020/4/20</a:t>
             </a:fld>
             <a:endParaRPr lang="zh-CN" altLang="en-US"/>
           </a:p>
@@ -680,7 +680,7 @@
           <p:cNvPr id="5" name="页脚占位符 4">
             <a:extLst>
               <a:ext uri="{FF2B5EF4-FFF2-40B4-BE49-F238E27FC236}">
-                <a16:creationId xmlns:a16="http://schemas.microsoft.com/office/drawing/2014/main" xmlns="" id="{59DE6F2D-8B03-4122-B697-53D264763A47}"/>
+                <a16:creationId xmlns:a16="http://schemas.microsoft.com/office/drawing/2014/main" id="{59DE6F2D-8B03-4122-B697-53D264763A47}"/>
               </a:ext>
             </a:extLst>
           </p:cNvPr>
@@ -705,7 +705,7 @@
           <p:cNvPr id="6" name="灯片编号占位符 5">
             <a:extLst>
               <a:ext uri="{FF2B5EF4-FFF2-40B4-BE49-F238E27FC236}">
-                <a16:creationId xmlns:a16="http://schemas.microsoft.com/office/drawing/2014/main" xmlns="" id="{DB9679F7-503A-4C13-A666-B0FDA3B4C85C}"/>
+                <a16:creationId xmlns:a16="http://schemas.microsoft.com/office/drawing/2014/main" id="{DB9679F7-503A-4C13-A666-B0FDA3B4C85C}"/>
               </a:ext>
             </a:extLst>
           </p:cNvPr>
@@ -764,7 +764,7 @@
           <p:cNvPr id="2" name="标题 1">
             <a:extLst>
               <a:ext uri="{FF2B5EF4-FFF2-40B4-BE49-F238E27FC236}">
-                <a16:creationId xmlns:a16="http://schemas.microsoft.com/office/drawing/2014/main" xmlns="" id="{EFAB1573-A511-4CD8-87E6-79B2740484D2}"/>
+                <a16:creationId xmlns:a16="http://schemas.microsoft.com/office/drawing/2014/main" id="{EFAB1573-A511-4CD8-87E6-79B2740484D2}"/>
               </a:ext>
             </a:extLst>
           </p:cNvPr>
@@ -792,7 +792,7 @@
           <p:cNvPr id="3" name="内容占位符 2">
             <a:extLst>
               <a:ext uri="{FF2B5EF4-FFF2-40B4-BE49-F238E27FC236}">
-                <a16:creationId xmlns:a16="http://schemas.microsoft.com/office/drawing/2014/main" xmlns="" id="{32069780-DB13-447E-B537-017F747274FE}"/>
+                <a16:creationId xmlns:a16="http://schemas.microsoft.com/office/drawing/2014/main" id="{32069780-DB13-447E-B537-017F747274FE}"/>
               </a:ext>
             </a:extLst>
           </p:cNvPr>
@@ -849,7 +849,7 @@
           <p:cNvPr id="4" name="日期占位符 3">
             <a:extLst>
               <a:ext uri="{FF2B5EF4-FFF2-40B4-BE49-F238E27FC236}">
-                <a16:creationId xmlns:a16="http://schemas.microsoft.com/office/drawing/2014/main" xmlns="" id="{917FA542-7DEA-40C3-BC0A-E88412D2DD66}"/>
+                <a16:creationId xmlns:a16="http://schemas.microsoft.com/office/drawing/2014/main" id="{917FA542-7DEA-40C3-BC0A-E88412D2DD66}"/>
               </a:ext>
             </a:extLst>
           </p:cNvPr>
@@ -867,7 +867,7 @@
           <a:p>
             <a:fld id="{EE07146B-61D1-4998-A9A3-6D76A1909CB6}" type="datetimeFigureOut">
               <a:rPr lang="zh-CN" altLang="en-US" smtClean="0"/>
-              <a:t>20/4/19</a:t>
+              <a:t>2020/4/20</a:t>
             </a:fld>
             <a:endParaRPr lang="zh-CN" altLang="en-US"/>
           </a:p>
@@ -878,7 +878,7 @@
           <p:cNvPr id="5" name="页脚占位符 4">
             <a:extLst>
               <a:ext uri="{FF2B5EF4-FFF2-40B4-BE49-F238E27FC236}">
-                <a16:creationId xmlns:a16="http://schemas.microsoft.com/office/drawing/2014/main" xmlns="" id="{9C5311EF-3124-45AD-A4F4-63D88B840351}"/>
+                <a16:creationId xmlns:a16="http://schemas.microsoft.com/office/drawing/2014/main" id="{9C5311EF-3124-45AD-A4F4-63D88B840351}"/>
               </a:ext>
             </a:extLst>
           </p:cNvPr>
@@ -903,7 +903,7 @@
           <p:cNvPr id="6" name="灯片编号占位符 5">
             <a:extLst>
               <a:ext uri="{FF2B5EF4-FFF2-40B4-BE49-F238E27FC236}">
-                <a16:creationId xmlns:a16="http://schemas.microsoft.com/office/drawing/2014/main" xmlns="" id="{6F979C4B-C22B-4C31-B658-C6C16FF96AB8}"/>
+                <a16:creationId xmlns:a16="http://schemas.microsoft.com/office/drawing/2014/main" id="{6F979C4B-C22B-4C31-B658-C6C16FF96AB8}"/>
               </a:ext>
             </a:extLst>
           </p:cNvPr>
@@ -962,7 +962,7 @@
           <p:cNvPr id="2" name="标题 1">
             <a:extLst>
               <a:ext uri="{FF2B5EF4-FFF2-40B4-BE49-F238E27FC236}">
-                <a16:creationId xmlns:a16="http://schemas.microsoft.com/office/drawing/2014/main" xmlns="" id="{A8774F5F-53C5-428A-90D1-AC25BE5BA600}"/>
+                <a16:creationId xmlns:a16="http://schemas.microsoft.com/office/drawing/2014/main" id="{A8774F5F-53C5-428A-90D1-AC25BE5BA600}"/>
               </a:ext>
             </a:extLst>
           </p:cNvPr>
@@ -999,7 +999,7 @@
           <p:cNvPr id="3" name="文本占位符 2">
             <a:extLst>
               <a:ext uri="{FF2B5EF4-FFF2-40B4-BE49-F238E27FC236}">
-                <a16:creationId xmlns:a16="http://schemas.microsoft.com/office/drawing/2014/main" xmlns="" id="{6B76DB01-BD86-4617-B883-D1146BB08372}"/>
+                <a16:creationId xmlns:a16="http://schemas.microsoft.com/office/drawing/2014/main" id="{6B76DB01-BD86-4617-B883-D1146BB08372}"/>
               </a:ext>
             </a:extLst>
           </p:cNvPr>
@@ -1124,7 +1124,7 @@
           <p:cNvPr id="4" name="日期占位符 3">
             <a:extLst>
               <a:ext uri="{FF2B5EF4-FFF2-40B4-BE49-F238E27FC236}">
-                <a16:creationId xmlns:a16="http://schemas.microsoft.com/office/drawing/2014/main" xmlns="" id="{EDC1A859-29B2-4800-B4DE-8174D630B393}"/>
+                <a16:creationId xmlns:a16="http://schemas.microsoft.com/office/drawing/2014/main" id="{EDC1A859-29B2-4800-B4DE-8174D630B393}"/>
               </a:ext>
             </a:extLst>
           </p:cNvPr>
@@ -1142,7 +1142,7 @@
           <a:p>
             <a:fld id="{EE07146B-61D1-4998-A9A3-6D76A1909CB6}" type="datetimeFigureOut">
               <a:rPr lang="zh-CN" altLang="en-US" smtClean="0"/>
-              <a:t>20/4/19</a:t>
+              <a:t>2020/4/20</a:t>
             </a:fld>
             <a:endParaRPr lang="zh-CN" altLang="en-US"/>
           </a:p>
@@ -1153,7 +1153,7 @@
           <p:cNvPr id="5" name="页脚占位符 4">
             <a:extLst>
               <a:ext uri="{FF2B5EF4-FFF2-40B4-BE49-F238E27FC236}">
-                <a16:creationId xmlns:a16="http://schemas.microsoft.com/office/drawing/2014/main" xmlns="" id="{BF104670-E367-4085-8BA3-D1F957825F6D}"/>
+                <a16:creationId xmlns:a16="http://schemas.microsoft.com/office/drawing/2014/main" id="{BF104670-E367-4085-8BA3-D1F957825F6D}"/>
               </a:ext>
             </a:extLst>
           </p:cNvPr>
@@ -1178,7 +1178,7 @@
           <p:cNvPr id="6" name="灯片编号占位符 5">
             <a:extLst>
               <a:ext uri="{FF2B5EF4-FFF2-40B4-BE49-F238E27FC236}">
-                <a16:creationId xmlns:a16="http://schemas.microsoft.com/office/drawing/2014/main" xmlns="" id="{0929C241-2416-4EE8-959D-D77F0FF466D8}"/>
+                <a16:creationId xmlns:a16="http://schemas.microsoft.com/office/drawing/2014/main" id="{0929C241-2416-4EE8-959D-D77F0FF466D8}"/>
               </a:ext>
             </a:extLst>
           </p:cNvPr>
@@ -1237,7 +1237,7 @@
           <p:cNvPr id="2" name="标题 1">
             <a:extLst>
               <a:ext uri="{FF2B5EF4-FFF2-40B4-BE49-F238E27FC236}">
-                <a16:creationId xmlns:a16="http://schemas.microsoft.com/office/drawing/2014/main" xmlns="" id="{219E0FF3-3E76-421E-BBFF-9F1E7DF1EBA5}"/>
+                <a16:creationId xmlns:a16="http://schemas.microsoft.com/office/drawing/2014/main" id="{219E0FF3-3E76-421E-BBFF-9F1E7DF1EBA5}"/>
               </a:ext>
             </a:extLst>
           </p:cNvPr>
@@ -1265,7 +1265,7 @@
           <p:cNvPr id="3" name="内容占位符 2">
             <a:extLst>
               <a:ext uri="{FF2B5EF4-FFF2-40B4-BE49-F238E27FC236}">
-                <a16:creationId xmlns:a16="http://schemas.microsoft.com/office/drawing/2014/main" xmlns="" id="{99506119-87B4-40C0-AAEF-52B8CB9896FC}"/>
+                <a16:creationId xmlns:a16="http://schemas.microsoft.com/office/drawing/2014/main" id="{99506119-87B4-40C0-AAEF-52B8CB9896FC}"/>
               </a:ext>
             </a:extLst>
           </p:cNvPr>
@@ -1327,7 +1327,7 @@
           <p:cNvPr id="4" name="内容占位符 3">
             <a:extLst>
               <a:ext uri="{FF2B5EF4-FFF2-40B4-BE49-F238E27FC236}">
-                <a16:creationId xmlns:a16="http://schemas.microsoft.com/office/drawing/2014/main" xmlns="" id="{45E75165-909A-4633-9DB8-CA709770629D}"/>
+                <a16:creationId xmlns:a16="http://schemas.microsoft.com/office/drawing/2014/main" id="{45E75165-909A-4633-9DB8-CA709770629D}"/>
               </a:ext>
             </a:extLst>
           </p:cNvPr>
@@ -1389,7 +1389,7 @@
           <p:cNvPr id="5" name="日期占位符 4">
             <a:extLst>
               <a:ext uri="{FF2B5EF4-FFF2-40B4-BE49-F238E27FC236}">
-                <a16:creationId xmlns:a16="http://schemas.microsoft.com/office/drawing/2014/main" xmlns="" id="{727148EE-BB0E-4C0A-9EC5-DCDC88D3219D}"/>
+                <a16:creationId xmlns:a16="http://schemas.microsoft.com/office/drawing/2014/main" id="{727148EE-BB0E-4C0A-9EC5-DCDC88D3219D}"/>
               </a:ext>
             </a:extLst>
           </p:cNvPr>
@@ -1407,7 +1407,7 @@
           <a:p>
             <a:fld id="{EE07146B-61D1-4998-A9A3-6D76A1909CB6}" type="datetimeFigureOut">
               <a:rPr lang="zh-CN" altLang="en-US" smtClean="0"/>
-              <a:t>20/4/19</a:t>
+              <a:t>2020/4/20</a:t>
             </a:fld>
             <a:endParaRPr lang="zh-CN" altLang="en-US"/>
           </a:p>
@@ -1418,7 +1418,7 @@
           <p:cNvPr id="6" name="页脚占位符 5">
             <a:extLst>
               <a:ext uri="{FF2B5EF4-FFF2-40B4-BE49-F238E27FC236}">
-                <a16:creationId xmlns:a16="http://schemas.microsoft.com/office/drawing/2014/main" xmlns="" id="{06F696D2-66C3-4BC8-9906-C64B24F6298E}"/>
+                <a16:creationId xmlns:a16="http://schemas.microsoft.com/office/drawing/2014/main" id="{06F696D2-66C3-4BC8-9906-C64B24F6298E}"/>
               </a:ext>
             </a:extLst>
           </p:cNvPr>
@@ -1443,7 +1443,7 @@
           <p:cNvPr id="7" name="灯片编号占位符 6">
             <a:extLst>
               <a:ext uri="{FF2B5EF4-FFF2-40B4-BE49-F238E27FC236}">
-                <a16:creationId xmlns:a16="http://schemas.microsoft.com/office/drawing/2014/main" xmlns="" id="{D6B10A28-99CB-4BDA-AFF1-C3B857032BD5}"/>
+                <a16:creationId xmlns:a16="http://schemas.microsoft.com/office/drawing/2014/main" id="{D6B10A28-99CB-4BDA-AFF1-C3B857032BD5}"/>
               </a:ext>
             </a:extLst>
           </p:cNvPr>
@@ -1502,7 +1502,7 @@
           <p:cNvPr id="2" name="标题 1">
             <a:extLst>
               <a:ext uri="{FF2B5EF4-FFF2-40B4-BE49-F238E27FC236}">
-                <a16:creationId xmlns:a16="http://schemas.microsoft.com/office/drawing/2014/main" xmlns="" id="{E30B06D9-4EF2-4163-80C8-7F3BC6013D60}"/>
+                <a16:creationId xmlns:a16="http://schemas.microsoft.com/office/drawing/2014/main" id="{E30B06D9-4EF2-4163-80C8-7F3BC6013D60}"/>
               </a:ext>
             </a:extLst>
           </p:cNvPr>
@@ -1535,7 +1535,7 @@
           <p:cNvPr id="3" name="文本占位符 2">
             <a:extLst>
               <a:ext uri="{FF2B5EF4-FFF2-40B4-BE49-F238E27FC236}">
-                <a16:creationId xmlns:a16="http://schemas.microsoft.com/office/drawing/2014/main" xmlns="" id="{75FDBC9A-40C8-4B51-904D-EC3563CEBE8A}"/>
+                <a16:creationId xmlns:a16="http://schemas.microsoft.com/office/drawing/2014/main" id="{75FDBC9A-40C8-4B51-904D-EC3563CEBE8A}"/>
               </a:ext>
             </a:extLst>
           </p:cNvPr>
@@ -1606,7 +1606,7 @@
           <p:cNvPr id="4" name="内容占位符 3">
             <a:extLst>
               <a:ext uri="{FF2B5EF4-FFF2-40B4-BE49-F238E27FC236}">
-                <a16:creationId xmlns:a16="http://schemas.microsoft.com/office/drawing/2014/main" xmlns="" id="{282FA3FE-A9FD-4343-8E5F-A2D80E311CE4}"/>
+                <a16:creationId xmlns:a16="http://schemas.microsoft.com/office/drawing/2014/main" id="{282FA3FE-A9FD-4343-8E5F-A2D80E311CE4}"/>
               </a:ext>
             </a:extLst>
           </p:cNvPr>
@@ -1668,7 +1668,7 @@
           <p:cNvPr id="5" name="文本占位符 4">
             <a:extLst>
               <a:ext uri="{FF2B5EF4-FFF2-40B4-BE49-F238E27FC236}">
-                <a16:creationId xmlns:a16="http://schemas.microsoft.com/office/drawing/2014/main" xmlns="" id="{AE71B7BA-6B4A-4922-B0A8-F27C91B3FE5D}"/>
+                <a16:creationId xmlns:a16="http://schemas.microsoft.com/office/drawing/2014/main" id="{AE71B7BA-6B4A-4922-B0A8-F27C91B3FE5D}"/>
               </a:ext>
             </a:extLst>
           </p:cNvPr>
@@ -1739,7 +1739,7 @@
           <p:cNvPr id="6" name="内容占位符 5">
             <a:extLst>
               <a:ext uri="{FF2B5EF4-FFF2-40B4-BE49-F238E27FC236}">
-                <a16:creationId xmlns:a16="http://schemas.microsoft.com/office/drawing/2014/main" xmlns="" id="{F5525146-47AC-4868-B70F-80A630207C88}"/>
+                <a16:creationId xmlns:a16="http://schemas.microsoft.com/office/drawing/2014/main" id="{F5525146-47AC-4868-B70F-80A630207C88}"/>
               </a:ext>
             </a:extLst>
           </p:cNvPr>
@@ -1801,7 +1801,7 @@
           <p:cNvPr id="7" name="日期占位符 6">
             <a:extLst>
               <a:ext uri="{FF2B5EF4-FFF2-40B4-BE49-F238E27FC236}">
-                <a16:creationId xmlns:a16="http://schemas.microsoft.com/office/drawing/2014/main" xmlns="" id="{80902293-75DD-47FC-B4B2-65FCF2156C8E}"/>
+                <a16:creationId xmlns:a16="http://schemas.microsoft.com/office/drawing/2014/main" id="{80902293-75DD-47FC-B4B2-65FCF2156C8E}"/>
               </a:ext>
             </a:extLst>
           </p:cNvPr>
@@ -1819,7 +1819,7 @@
           <a:p>
             <a:fld id="{EE07146B-61D1-4998-A9A3-6D76A1909CB6}" type="datetimeFigureOut">
               <a:rPr lang="zh-CN" altLang="en-US" smtClean="0"/>
-              <a:t>20/4/19</a:t>
+              <a:t>2020/4/20</a:t>
             </a:fld>
             <a:endParaRPr lang="zh-CN" altLang="en-US"/>
           </a:p>
@@ -1830,7 +1830,7 @@
           <p:cNvPr id="8" name="页脚占位符 7">
             <a:extLst>
               <a:ext uri="{FF2B5EF4-FFF2-40B4-BE49-F238E27FC236}">
-                <a16:creationId xmlns:a16="http://schemas.microsoft.com/office/drawing/2014/main" xmlns="" id="{9928C812-B089-48F3-A302-5F493289CC04}"/>
+                <a16:creationId xmlns:a16="http://schemas.microsoft.com/office/drawing/2014/main" id="{9928C812-B089-48F3-A302-5F493289CC04}"/>
               </a:ext>
             </a:extLst>
           </p:cNvPr>
@@ -1855,7 +1855,7 @@
           <p:cNvPr id="9" name="灯片编号占位符 8">
             <a:extLst>
               <a:ext uri="{FF2B5EF4-FFF2-40B4-BE49-F238E27FC236}">
-                <a16:creationId xmlns:a16="http://schemas.microsoft.com/office/drawing/2014/main" xmlns="" id="{16C14F45-09AA-4FC2-9902-DD49B03BAF63}"/>
+                <a16:creationId xmlns:a16="http://schemas.microsoft.com/office/drawing/2014/main" id="{16C14F45-09AA-4FC2-9902-DD49B03BAF63}"/>
               </a:ext>
             </a:extLst>
           </p:cNvPr>
@@ -1914,7 +1914,7 @@
           <p:cNvPr id="2" name="标题 1">
             <a:extLst>
               <a:ext uri="{FF2B5EF4-FFF2-40B4-BE49-F238E27FC236}">
-                <a16:creationId xmlns:a16="http://schemas.microsoft.com/office/drawing/2014/main" xmlns="" id="{79331632-7582-4F81-9855-8273EB5AC34E}"/>
+                <a16:creationId xmlns:a16="http://schemas.microsoft.com/office/drawing/2014/main" id="{79331632-7582-4F81-9855-8273EB5AC34E}"/>
               </a:ext>
             </a:extLst>
           </p:cNvPr>
@@ -1942,7 +1942,7 @@
           <p:cNvPr id="3" name="日期占位符 2">
             <a:extLst>
               <a:ext uri="{FF2B5EF4-FFF2-40B4-BE49-F238E27FC236}">
-                <a16:creationId xmlns:a16="http://schemas.microsoft.com/office/drawing/2014/main" xmlns="" id="{68873852-6A56-4134-88B0-E62C95FCE802}"/>
+                <a16:creationId xmlns:a16="http://schemas.microsoft.com/office/drawing/2014/main" id="{68873852-6A56-4134-88B0-E62C95FCE802}"/>
               </a:ext>
             </a:extLst>
           </p:cNvPr>
@@ -1960,7 +1960,7 @@
           <a:p>
             <a:fld id="{EE07146B-61D1-4998-A9A3-6D76A1909CB6}" type="datetimeFigureOut">
               <a:rPr lang="zh-CN" altLang="en-US" smtClean="0"/>
-              <a:t>20/4/19</a:t>
+              <a:t>2020/4/20</a:t>
             </a:fld>
             <a:endParaRPr lang="zh-CN" altLang="en-US"/>
           </a:p>
@@ -1971,7 +1971,7 @@
           <p:cNvPr id="4" name="页脚占位符 3">
             <a:extLst>
               <a:ext uri="{FF2B5EF4-FFF2-40B4-BE49-F238E27FC236}">
-                <a16:creationId xmlns:a16="http://schemas.microsoft.com/office/drawing/2014/main" xmlns="" id="{1E08DCF8-2EB7-4090-B397-7B862D9C17F9}"/>
+                <a16:creationId xmlns:a16="http://schemas.microsoft.com/office/drawing/2014/main" id="{1E08DCF8-2EB7-4090-B397-7B862D9C17F9}"/>
               </a:ext>
             </a:extLst>
           </p:cNvPr>
@@ -1996,7 +1996,7 @@
           <p:cNvPr id="5" name="灯片编号占位符 4">
             <a:extLst>
               <a:ext uri="{FF2B5EF4-FFF2-40B4-BE49-F238E27FC236}">
-                <a16:creationId xmlns:a16="http://schemas.microsoft.com/office/drawing/2014/main" xmlns="" id="{675F222E-61CE-4EB4-95F0-D971269006D0}"/>
+                <a16:creationId xmlns:a16="http://schemas.microsoft.com/office/drawing/2014/main" id="{675F222E-61CE-4EB4-95F0-D971269006D0}"/>
               </a:ext>
             </a:extLst>
           </p:cNvPr>
@@ -2055,7 +2055,7 @@
           <p:cNvPr id="2" name="日期占位符 1">
             <a:extLst>
               <a:ext uri="{FF2B5EF4-FFF2-40B4-BE49-F238E27FC236}">
-                <a16:creationId xmlns:a16="http://schemas.microsoft.com/office/drawing/2014/main" xmlns="" id="{4DE6B1F4-24AE-4961-83D0-20EB42C70C2F}"/>
+                <a16:creationId xmlns:a16="http://schemas.microsoft.com/office/drawing/2014/main" id="{4DE6B1F4-24AE-4961-83D0-20EB42C70C2F}"/>
               </a:ext>
             </a:extLst>
           </p:cNvPr>
@@ -2073,7 +2073,7 @@
           <a:p>
             <a:fld id="{EE07146B-61D1-4998-A9A3-6D76A1909CB6}" type="datetimeFigureOut">
               <a:rPr lang="zh-CN" altLang="en-US" smtClean="0"/>
-              <a:t>20/4/19</a:t>
+              <a:t>2020/4/20</a:t>
             </a:fld>
             <a:endParaRPr lang="zh-CN" altLang="en-US"/>
           </a:p>
@@ -2084,7 +2084,7 @@
           <p:cNvPr id="3" name="页脚占位符 2">
             <a:extLst>
               <a:ext uri="{FF2B5EF4-FFF2-40B4-BE49-F238E27FC236}">
-                <a16:creationId xmlns:a16="http://schemas.microsoft.com/office/drawing/2014/main" xmlns="" id="{0398A647-64B0-45AD-B38F-53EDF759CF9E}"/>
+                <a16:creationId xmlns:a16="http://schemas.microsoft.com/office/drawing/2014/main" id="{0398A647-64B0-45AD-B38F-53EDF759CF9E}"/>
               </a:ext>
             </a:extLst>
           </p:cNvPr>
@@ -2109,7 +2109,7 @@
           <p:cNvPr id="4" name="灯片编号占位符 3">
             <a:extLst>
               <a:ext uri="{FF2B5EF4-FFF2-40B4-BE49-F238E27FC236}">
-                <a16:creationId xmlns:a16="http://schemas.microsoft.com/office/drawing/2014/main" xmlns="" id="{7A574E39-A773-4D18-8065-BE1BA76BAB48}"/>
+                <a16:creationId xmlns:a16="http://schemas.microsoft.com/office/drawing/2014/main" id="{7A574E39-A773-4D18-8065-BE1BA76BAB48}"/>
               </a:ext>
             </a:extLst>
           </p:cNvPr>
@@ -2168,7 +2168,7 @@
           <p:cNvPr id="2" name="标题 1">
             <a:extLst>
               <a:ext uri="{FF2B5EF4-FFF2-40B4-BE49-F238E27FC236}">
-                <a16:creationId xmlns:a16="http://schemas.microsoft.com/office/drawing/2014/main" xmlns="" id="{E3696497-819D-4E92-97CE-76DCCC5AF649}"/>
+                <a16:creationId xmlns:a16="http://schemas.microsoft.com/office/drawing/2014/main" id="{E3696497-819D-4E92-97CE-76DCCC5AF649}"/>
               </a:ext>
             </a:extLst>
           </p:cNvPr>
@@ -2205,7 +2205,7 @@
           <p:cNvPr id="3" name="内容占位符 2">
             <a:extLst>
               <a:ext uri="{FF2B5EF4-FFF2-40B4-BE49-F238E27FC236}">
-                <a16:creationId xmlns:a16="http://schemas.microsoft.com/office/drawing/2014/main" xmlns="" id="{5F25A94B-7280-4882-B5E0-39DE1F2F08B2}"/>
+                <a16:creationId xmlns:a16="http://schemas.microsoft.com/office/drawing/2014/main" id="{5F25A94B-7280-4882-B5E0-39DE1F2F08B2}"/>
               </a:ext>
             </a:extLst>
           </p:cNvPr>
@@ -2295,7 +2295,7 @@
           <p:cNvPr id="4" name="文本占位符 3">
             <a:extLst>
               <a:ext uri="{FF2B5EF4-FFF2-40B4-BE49-F238E27FC236}">
-                <a16:creationId xmlns:a16="http://schemas.microsoft.com/office/drawing/2014/main" xmlns="" id="{9920DABC-7BE6-4C16-89F3-9CBF204E0408}"/>
+                <a16:creationId xmlns:a16="http://schemas.microsoft.com/office/drawing/2014/main" id="{9920DABC-7BE6-4C16-89F3-9CBF204E0408}"/>
               </a:ext>
             </a:extLst>
           </p:cNvPr>
@@ -2366,7 +2366,7 @@
           <p:cNvPr id="5" name="日期占位符 4">
             <a:extLst>
               <a:ext uri="{FF2B5EF4-FFF2-40B4-BE49-F238E27FC236}">
-                <a16:creationId xmlns:a16="http://schemas.microsoft.com/office/drawing/2014/main" xmlns="" id="{DD0B4E0D-7448-49CC-8B22-8457AA5C78CE}"/>
+                <a16:creationId xmlns:a16="http://schemas.microsoft.com/office/drawing/2014/main" id="{DD0B4E0D-7448-49CC-8B22-8457AA5C78CE}"/>
               </a:ext>
             </a:extLst>
           </p:cNvPr>
@@ -2384,7 +2384,7 @@
           <a:p>
             <a:fld id="{EE07146B-61D1-4998-A9A3-6D76A1909CB6}" type="datetimeFigureOut">
               <a:rPr lang="zh-CN" altLang="en-US" smtClean="0"/>
-              <a:t>20/4/19</a:t>
+              <a:t>2020/4/20</a:t>
             </a:fld>
             <a:endParaRPr lang="zh-CN" altLang="en-US"/>
           </a:p>
@@ -2395,7 +2395,7 @@
           <p:cNvPr id="6" name="页脚占位符 5">
             <a:extLst>
               <a:ext uri="{FF2B5EF4-FFF2-40B4-BE49-F238E27FC236}">
-                <a16:creationId xmlns:a16="http://schemas.microsoft.com/office/drawing/2014/main" xmlns="" id="{010011BB-AF35-4273-8F90-6869DED2C1DC}"/>
+                <a16:creationId xmlns:a16="http://schemas.microsoft.com/office/drawing/2014/main" id="{010011BB-AF35-4273-8F90-6869DED2C1DC}"/>
               </a:ext>
             </a:extLst>
           </p:cNvPr>
@@ -2420,7 +2420,7 @@
           <p:cNvPr id="7" name="灯片编号占位符 6">
             <a:extLst>
               <a:ext uri="{FF2B5EF4-FFF2-40B4-BE49-F238E27FC236}">
-                <a16:creationId xmlns:a16="http://schemas.microsoft.com/office/drawing/2014/main" xmlns="" id="{097FD392-9E11-4ACA-963F-2E265FC1C31C}"/>
+                <a16:creationId xmlns:a16="http://schemas.microsoft.com/office/drawing/2014/main" id="{097FD392-9E11-4ACA-963F-2E265FC1C31C}"/>
               </a:ext>
             </a:extLst>
           </p:cNvPr>
@@ -2479,7 +2479,7 @@
           <p:cNvPr id="2" name="标题 1">
             <a:extLst>
               <a:ext uri="{FF2B5EF4-FFF2-40B4-BE49-F238E27FC236}">
-                <a16:creationId xmlns:a16="http://schemas.microsoft.com/office/drawing/2014/main" xmlns="" id="{4643A863-D664-4604-99AC-115018F5B82A}"/>
+                <a16:creationId xmlns:a16="http://schemas.microsoft.com/office/drawing/2014/main" id="{4643A863-D664-4604-99AC-115018F5B82A}"/>
               </a:ext>
             </a:extLst>
           </p:cNvPr>
@@ -2516,7 +2516,7 @@
           <p:cNvPr id="3" name="图片占位符 2">
             <a:extLst>
               <a:ext uri="{FF2B5EF4-FFF2-40B4-BE49-F238E27FC236}">
-                <a16:creationId xmlns:a16="http://schemas.microsoft.com/office/drawing/2014/main" xmlns="" id="{983DCAE4-F92E-4041-93BF-09C08ACBBB99}"/>
+                <a16:creationId xmlns:a16="http://schemas.microsoft.com/office/drawing/2014/main" id="{983DCAE4-F92E-4041-93BF-09C08ACBBB99}"/>
               </a:ext>
             </a:extLst>
           </p:cNvPr>
@@ -2583,7 +2583,7 @@
           <p:cNvPr id="4" name="文本占位符 3">
             <a:extLst>
               <a:ext uri="{FF2B5EF4-FFF2-40B4-BE49-F238E27FC236}">
-                <a16:creationId xmlns:a16="http://schemas.microsoft.com/office/drawing/2014/main" xmlns="" id="{2F5F39D3-0341-49ED-BC31-2B283933DB57}"/>
+                <a16:creationId xmlns:a16="http://schemas.microsoft.com/office/drawing/2014/main" id="{2F5F39D3-0341-49ED-BC31-2B283933DB57}"/>
               </a:ext>
             </a:extLst>
           </p:cNvPr>
@@ -2654,7 +2654,7 @@
           <p:cNvPr id="5" name="日期占位符 4">
             <a:extLst>
               <a:ext uri="{FF2B5EF4-FFF2-40B4-BE49-F238E27FC236}">
-                <a16:creationId xmlns:a16="http://schemas.microsoft.com/office/drawing/2014/main" xmlns="" id="{BDE86C06-3219-48BE-B0A1-9105B6E3E5ED}"/>
+                <a16:creationId xmlns:a16="http://schemas.microsoft.com/office/drawing/2014/main" id="{BDE86C06-3219-48BE-B0A1-9105B6E3E5ED}"/>
               </a:ext>
             </a:extLst>
           </p:cNvPr>
@@ -2672,7 +2672,7 @@
           <a:p>
             <a:fld id="{EE07146B-61D1-4998-A9A3-6D76A1909CB6}" type="datetimeFigureOut">
               <a:rPr lang="zh-CN" altLang="en-US" smtClean="0"/>
-              <a:t>20/4/19</a:t>
+              <a:t>2020/4/20</a:t>
             </a:fld>
             <a:endParaRPr lang="zh-CN" altLang="en-US"/>
           </a:p>
@@ -2683,7 +2683,7 @@
           <p:cNvPr id="6" name="页脚占位符 5">
             <a:extLst>
               <a:ext uri="{FF2B5EF4-FFF2-40B4-BE49-F238E27FC236}">
-                <a16:creationId xmlns:a16="http://schemas.microsoft.com/office/drawing/2014/main" xmlns="" id="{07901859-B9E7-461D-9996-9E1907550EAF}"/>
+                <a16:creationId xmlns:a16="http://schemas.microsoft.com/office/drawing/2014/main" id="{07901859-B9E7-461D-9996-9E1907550EAF}"/>
               </a:ext>
             </a:extLst>
           </p:cNvPr>
@@ -2708,7 +2708,7 @@
           <p:cNvPr id="7" name="灯片编号占位符 6">
             <a:extLst>
               <a:ext uri="{FF2B5EF4-FFF2-40B4-BE49-F238E27FC236}">
-                <a16:creationId xmlns:a16="http://schemas.microsoft.com/office/drawing/2014/main" xmlns="" id="{1AD27A8E-897A-4728-881D-45435886D172}"/>
+                <a16:creationId xmlns:a16="http://schemas.microsoft.com/office/drawing/2014/main" id="{1AD27A8E-897A-4728-881D-45435886D172}"/>
               </a:ext>
             </a:extLst>
           </p:cNvPr>
@@ -2772,7 +2772,7 @@
           <p:cNvPr id="2" name="标题占位符 1">
             <a:extLst>
               <a:ext uri="{FF2B5EF4-FFF2-40B4-BE49-F238E27FC236}">
-                <a16:creationId xmlns:a16="http://schemas.microsoft.com/office/drawing/2014/main" xmlns="" id="{02FB3689-0B60-451F-9C94-C4EB3A36AFAD}"/>
+                <a16:creationId xmlns:a16="http://schemas.microsoft.com/office/drawing/2014/main" id="{02FB3689-0B60-451F-9C94-C4EB3A36AFAD}"/>
               </a:ext>
             </a:extLst>
           </p:cNvPr>
@@ -2810,7 +2810,7 @@
           <p:cNvPr id="3" name="文本占位符 2">
             <a:extLst>
               <a:ext uri="{FF2B5EF4-FFF2-40B4-BE49-F238E27FC236}">
-                <a16:creationId xmlns:a16="http://schemas.microsoft.com/office/drawing/2014/main" xmlns="" id="{4F275B22-ACDC-4473-A862-F7B15D250D52}"/>
+                <a16:creationId xmlns:a16="http://schemas.microsoft.com/office/drawing/2014/main" id="{4F275B22-ACDC-4473-A862-F7B15D250D52}"/>
               </a:ext>
             </a:extLst>
           </p:cNvPr>
@@ -2877,7 +2877,7 @@
           <p:cNvPr id="4" name="日期占位符 3">
             <a:extLst>
               <a:ext uri="{FF2B5EF4-FFF2-40B4-BE49-F238E27FC236}">
-                <a16:creationId xmlns:a16="http://schemas.microsoft.com/office/drawing/2014/main" xmlns="" id="{A8F94424-8AF0-4C8C-8551-63E5ACA2663F}"/>
+                <a16:creationId xmlns:a16="http://schemas.microsoft.com/office/drawing/2014/main" id="{A8F94424-8AF0-4C8C-8551-63E5ACA2663F}"/>
               </a:ext>
             </a:extLst>
           </p:cNvPr>
@@ -2913,7 +2913,7 @@
           <a:p>
             <a:fld id="{EE07146B-61D1-4998-A9A3-6D76A1909CB6}" type="datetimeFigureOut">
               <a:rPr lang="zh-CN" altLang="en-US" smtClean="0"/>
-              <a:t>20/4/19</a:t>
+              <a:t>2020/4/20</a:t>
             </a:fld>
             <a:endParaRPr lang="zh-CN" altLang="en-US"/>
           </a:p>
@@ -2924,7 +2924,7 @@
           <p:cNvPr id="5" name="页脚占位符 4">
             <a:extLst>
               <a:ext uri="{FF2B5EF4-FFF2-40B4-BE49-F238E27FC236}">
-                <a16:creationId xmlns:a16="http://schemas.microsoft.com/office/drawing/2014/main" xmlns="" id="{49C53937-50A8-4E1E-A9C2-A5ECB91B9FE4}"/>
+                <a16:creationId xmlns:a16="http://schemas.microsoft.com/office/drawing/2014/main" id="{49C53937-50A8-4E1E-A9C2-A5ECB91B9FE4}"/>
               </a:ext>
             </a:extLst>
           </p:cNvPr>
@@ -2967,7 +2967,7 @@
           <p:cNvPr id="6" name="灯片编号占位符 5">
             <a:extLst>
               <a:ext uri="{FF2B5EF4-FFF2-40B4-BE49-F238E27FC236}">
-                <a16:creationId xmlns:a16="http://schemas.microsoft.com/office/drawing/2014/main" xmlns="" id="{F13FD819-39FE-4D36-91B8-C8B994344D23}"/>
+                <a16:creationId xmlns:a16="http://schemas.microsoft.com/office/drawing/2014/main" id="{F13FD819-39FE-4D36-91B8-C8B994344D23}"/>
               </a:ext>
             </a:extLst>
           </p:cNvPr>
@@ -3335,7 +3335,7 @@
           <p:cNvPr id="2" name="标题 1">
             <a:extLst>
               <a:ext uri="{FF2B5EF4-FFF2-40B4-BE49-F238E27FC236}">
-                <a16:creationId xmlns:a16="http://schemas.microsoft.com/office/drawing/2014/main" xmlns="" id="{BE61BF87-A775-4225-AB50-68D611406FFD}"/>
+                <a16:creationId xmlns:a16="http://schemas.microsoft.com/office/drawing/2014/main" id="{BE61BF87-A775-4225-AB50-68D611406FFD}"/>
               </a:ext>
             </a:extLst>
           </p:cNvPr>
@@ -3371,7 +3371,7 @@
           <p:cNvPr id="3" name="内容占位符 2">
             <a:extLst>
               <a:ext uri="{FF2B5EF4-FFF2-40B4-BE49-F238E27FC236}">
-                <a16:creationId xmlns:a16="http://schemas.microsoft.com/office/drawing/2014/main" xmlns="" id="{87DB5047-0C2D-4159-BED2-EBB53877DB1C}"/>
+                <a16:creationId xmlns:a16="http://schemas.microsoft.com/office/drawing/2014/main" id="{87DB5047-0C2D-4159-BED2-EBB53877DB1C}"/>
               </a:ext>
             </a:extLst>
           </p:cNvPr>
@@ -3489,7 +3489,7 @@
           <p:cNvPr id="4" name="矩形: 圆角 3">
             <a:extLst>
               <a:ext uri="{FF2B5EF4-FFF2-40B4-BE49-F238E27FC236}">
-                <a16:creationId xmlns:a16="http://schemas.microsoft.com/office/drawing/2014/main" xmlns="" id="{12792527-3C7B-4E46-B63E-0A0A28B2019E}"/>
+                <a16:creationId xmlns:a16="http://schemas.microsoft.com/office/drawing/2014/main" id="{12792527-3C7B-4E46-B63E-0A0A28B2019E}"/>
               </a:ext>
             </a:extLst>
           </p:cNvPr>
@@ -3561,7 +3561,7 @@
           <p:cNvPr id="10" name="矩形: 圆角 9">
             <a:extLst>
               <a:ext uri="{FF2B5EF4-FFF2-40B4-BE49-F238E27FC236}">
-                <a16:creationId xmlns:a16="http://schemas.microsoft.com/office/drawing/2014/main" xmlns="" id="{5C333A58-EE6C-4693-A71E-B6B455379DE2}"/>
+                <a16:creationId xmlns:a16="http://schemas.microsoft.com/office/drawing/2014/main" id="{5C333A58-EE6C-4693-A71E-B6B455379DE2}"/>
               </a:ext>
             </a:extLst>
           </p:cNvPr>
@@ -3618,7 +3618,7 @@
           <p:cNvPr id="12" name="矩形 11">
             <a:extLst>
               <a:ext uri="{FF2B5EF4-FFF2-40B4-BE49-F238E27FC236}">
-                <a16:creationId xmlns:a16="http://schemas.microsoft.com/office/drawing/2014/main" xmlns="" id="{11C9F450-9A7E-4D4B-BDB1-388803C80067}"/>
+                <a16:creationId xmlns:a16="http://schemas.microsoft.com/office/drawing/2014/main" id="{11C9F450-9A7E-4D4B-BDB1-388803C80067}"/>
               </a:ext>
             </a:extLst>
           </p:cNvPr>
@@ -3665,7 +3665,7 @@
           <p:cNvPr id="13" name="矩形 12">
             <a:extLst>
               <a:ext uri="{FF2B5EF4-FFF2-40B4-BE49-F238E27FC236}">
-                <a16:creationId xmlns:a16="http://schemas.microsoft.com/office/drawing/2014/main" xmlns="" id="{5FEDE3D4-A677-45C0-B108-F0DED74CFF70}"/>
+                <a16:creationId xmlns:a16="http://schemas.microsoft.com/office/drawing/2014/main" id="{5FEDE3D4-A677-45C0-B108-F0DED74CFF70}"/>
               </a:ext>
             </a:extLst>
           </p:cNvPr>
@@ -3722,7 +3722,7 @@
           <p:cNvPr id="15" name="文本框 14">
             <a:extLst>
               <a:ext uri="{FF2B5EF4-FFF2-40B4-BE49-F238E27FC236}">
-                <a16:creationId xmlns:a16="http://schemas.microsoft.com/office/drawing/2014/main" xmlns="" id="{3DE96BBC-11EE-44FD-B27C-C5A98EBD9BA5}"/>
+                <a16:creationId xmlns:a16="http://schemas.microsoft.com/office/drawing/2014/main" id="{3DE96BBC-11EE-44FD-B27C-C5A98EBD9BA5}"/>
               </a:ext>
             </a:extLst>
           </p:cNvPr>
@@ -3786,7 +3786,7 @@
           <p:cNvPr id="16" name="矩形: 圆角 15">
             <a:extLst>
               <a:ext uri="{FF2B5EF4-FFF2-40B4-BE49-F238E27FC236}">
-                <a16:creationId xmlns:a16="http://schemas.microsoft.com/office/drawing/2014/main" xmlns="" id="{CABCB9BE-64AD-42AB-877D-6DD9F7D36BAD}"/>
+                <a16:creationId xmlns:a16="http://schemas.microsoft.com/office/drawing/2014/main" id="{CABCB9BE-64AD-42AB-877D-6DD9F7D36BAD}"/>
               </a:ext>
             </a:extLst>
           </p:cNvPr>
@@ -3836,7 +3836,7 @@
           <p:cNvPr id="17" name="矩形: 圆角 16">
             <a:extLst>
               <a:ext uri="{FF2B5EF4-FFF2-40B4-BE49-F238E27FC236}">
-                <a16:creationId xmlns:a16="http://schemas.microsoft.com/office/drawing/2014/main" xmlns="" id="{13DC9747-CBAE-4ADC-937A-E40F9287B71E}"/>
+                <a16:creationId xmlns:a16="http://schemas.microsoft.com/office/drawing/2014/main" id="{13DC9747-CBAE-4ADC-937A-E40F9287B71E}"/>
               </a:ext>
             </a:extLst>
           </p:cNvPr>
@@ -3886,7 +3886,7 @@
           <p:cNvPr id="18" name="矩形: 圆角 17">
             <a:extLst>
               <a:ext uri="{FF2B5EF4-FFF2-40B4-BE49-F238E27FC236}">
-                <a16:creationId xmlns:a16="http://schemas.microsoft.com/office/drawing/2014/main" xmlns="" id="{63C0D065-6128-4ADF-B434-0B653C3E9DD7}"/>
+                <a16:creationId xmlns:a16="http://schemas.microsoft.com/office/drawing/2014/main" id="{63C0D065-6128-4ADF-B434-0B653C3E9DD7}"/>
               </a:ext>
             </a:extLst>
           </p:cNvPr>
@@ -3942,7 +3942,7 @@
           <p:cNvPr id="19" name="矩形: 圆角 18">
             <a:extLst>
               <a:ext uri="{FF2B5EF4-FFF2-40B4-BE49-F238E27FC236}">
-                <a16:creationId xmlns:a16="http://schemas.microsoft.com/office/drawing/2014/main" xmlns="" id="{4B247984-9CF2-4FBE-B179-D8FD67DF2A95}"/>
+                <a16:creationId xmlns:a16="http://schemas.microsoft.com/office/drawing/2014/main" id="{4B247984-9CF2-4FBE-B179-D8FD67DF2A95}"/>
               </a:ext>
             </a:extLst>
           </p:cNvPr>
@@ -4041,7 +4041,7 @@
           <p:cNvPr id="12" name="矩形 11">
             <a:extLst>
               <a:ext uri="{FF2B5EF4-FFF2-40B4-BE49-F238E27FC236}">
-                <a16:creationId xmlns:a16="http://schemas.microsoft.com/office/drawing/2014/main" xmlns="" id="{11C9F450-9A7E-4D4B-BDB1-388803C80067}"/>
+                <a16:creationId xmlns:a16="http://schemas.microsoft.com/office/drawing/2014/main" id="{11C9F450-9A7E-4D4B-BDB1-388803C80067}"/>
               </a:ext>
             </a:extLst>
           </p:cNvPr>
@@ -4088,7 +4088,7 @@
           <p:cNvPr id="11" name="矩形: 圆角 10">
             <a:extLst>
               <a:ext uri="{FF2B5EF4-FFF2-40B4-BE49-F238E27FC236}">
-                <a16:creationId xmlns:a16="http://schemas.microsoft.com/office/drawing/2014/main" xmlns="" id="{46BC7CA0-7039-4AD8-AD1A-34EDCC249348}"/>
+                <a16:creationId xmlns:a16="http://schemas.microsoft.com/office/drawing/2014/main" id="{46BC7CA0-7039-4AD8-AD1A-34EDCC249348}"/>
               </a:ext>
             </a:extLst>
           </p:cNvPr>
@@ -4141,7 +4141,7 @@
           <p:cNvPr id="13" name="矩形: 圆角 12">
             <a:extLst>
               <a:ext uri="{FF2B5EF4-FFF2-40B4-BE49-F238E27FC236}">
-                <a16:creationId xmlns:a16="http://schemas.microsoft.com/office/drawing/2014/main" xmlns="" id="{CAAE198C-BFB8-4B07-A8D5-FDAC0A303BCA}"/>
+                <a16:creationId xmlns:a16="http://schemas.microsoft.com/office/drawing/2014/main" id="{CAAE198C-BFB8-4B07-A8D5-FDAC0A303BCA}"/>
               </a:ext>
             </a:extLst>
           </p:cNvPr>
@@ -4198,7 +4198,7 @@
           <p:cNvPr id="14" name="矩形: 圆角 13">
             <a:extLst>
               <a:ext uri="{FF2B5EF4-FFF2-40B4-BE49-F238E27FC236}">
-                <a16:creationId xmlns:a16="http://schemas.microsoft.com/office/drawing/2014/main" xmlns="" id="{CAA5DAE5-A7F8-45BC-9FA5-E2B1C2459B48}"/>
+                <a16:creationId xmlns:a16="http://schemas.microsoft.com/office/drawing/2014/main" id="{CAA5DAE5-A7F8-45BC-9FA5-E2B1C2459B48}"/>
               </a:ext>
             </a:extLst>
           </p:cNvPr>
@@ -4255,7 +4255,7 @@
           <p:cNvPr id="15" name="矩形: 圆角 14">
             <a:extLst>
               <a:ext uri="{FF2B5EF4-FFF2-40B4-BE49-F238E27FC236}">
-                <a16:creationId xmlns:a16="http://schemas.microsoft.com/office/drawing/2014/main" xmlns="" id="{B2AD985B-04C9-42EE-A247-C5DA7D1C695E}"/>
+                <a16:creationId xmlns:a16="http://schemas.microsoft.com/office/drawing/2014/main" id="{B2AD985B-04C9-42EE-A247-C5DA7D1C695E}"/>
               </a:ext>
             </a:extLst>
           </p:cNvPr>
@@ -4305,7 +4305,7 @@
           <p:cNvPr id="2" name="文本框 1">
             <a:extLst>
               <a:ext uri="{FF2B5EF4-FFF2-40B4-BE49-F238E27FC236}">
-                <a16:creationId xmlns:a16="http://schemas.microsoft.com/office/drawing/2014/main" xmlns="" id="{483F0DA2-6E28-4C8C-855D-DF5B3982ED44}"/>
+                <a16:creationId xmlns:a16="http://schemas.microsoft.com/office/drawing/2014/main" id="{483F0DA2-6E28-4C8C-855D-DF5B3982ED44}"/>
               </a:ext>
             </a:extLst>
           </p:cNvPr>
@@ -4340,7 +4340,7 @@
           <p:cNvPr id="17" name="矩形: 圆角 16">
             <a:extLst>
               <a:ext uri="{FF2B5EF4-FFF2-40B4-BE49-F238E27FC236}">
-                <a16:creationId xmlns:a16="http://schemas.microsoft.com/office/drawing/2014/main" xmlns="" id="{DA214BA9-EA12-410E-A9E1-D0FA4ED3ECF0}"/>
+                <a16:creationId xmlns:a16="http://schemas.microsoft.com/office/drawing/2014/main" id="{DA214BA9-EA12-410E-A9E1-D0FA4ED3ECF0}"/>
               </a:ext>
             </a:extLst>
           </p:cNvPr>
@@ -4435,7 +4435,7 @@
           <p:cNvPr id="2" name="标题 1">
             <a:extLst>
               <a:ext uri="{FF2B5EF4-FFF2-40B4-BE49-F238E27FC236}">
-                <a16:creationId xmlns:a16="http://schemas.microsoft.com/office/drawing/2014/main" xmlns="" id="{E5D957E7-1847-45B1-8931-D0FEF9CCE4FB}"/>
+                <a16:creationId xmlns:a16="http://schemas.microsoft.com/office/drawing/2014/main" id="{E5D957E7-1847-45B1-8931-D0FEF9CCE4FB}"/>
               </a:ext>
             </a:extLst>
           </p:cNvPr>
@@ -4463,7 +4463,7 @@
           <p:cNvPr id="4" name="内容占位符 3">
             <a:extLst>
               <a:ext uri="{FF2B5EF4-FFF2-40B4-BE49-F238E27FC236}">
-                <a16:creationId xmlns:a16="http://schemas.microsoft.com/office/drawing/2014/main" xmlns="" id="{DC0F22A0-1F4F-4834-958F-8C287B6DE3D3}"/>
+                <a16:creationId xmlns:a16="http://schemas.microsoft.com/office/drawing/2014/main" id="{DC0F22A0-1F4F-4834-958F-8C287B6DE3D3}"/>
               </a:ext>
             </a:extLst>
           </p:cNvPr>
@@ -4543,7 +4543,7 @@
           <p:cNvPr id="2" name="标题 1">
             <a:extLst>
               <a:ext uri="{FF2B5EF4-FFF2-40B4-BE49-F238E27FC236}">
-                <a16:creationId xmlns:a16="http://schemas.microsoft.com/office/drawing/2014/main" xmlns="" id="{D4FF1D79-0DF3-477C-B25F-0EE57323427B}"/>
+                <a16:creationId xmlns:a16="http://schemas.microsoft.com/office/drawing/2014/main" id="{D4FF1D79-0DF3-477C-B25F-0EE57323427B}"/>
               </a:ext>
             </a:extLst>
           </p:cNvPr>
@@ -4560,10 +4560,9 @@
           <a:lstStyle/>
           <a:p>
             <a:r>
-              <a:rPr lang="zh-CN" altLang="en-US" dirty="0" smtClean="0"/>
+              <a:rPr lang="zh-CN" altLang="en-US" dirty="0"/>
               <a:t>计划定了！  日记！</a:t>
             </a:r>
-            <a:endParaRPr lang="zh-CN" altLang="en-US" dirty="0"/>
           </a:p>
         </p:txBody>
       </p:sp>
@@ -4572,7 +4571,7 @@
           <p:cNvPr id="3" name="内容占位符 2">
             <a:extLst>
               <a:ext uri="{FF2B5EF4-FFF2-40B4-BE49-F238E27FC236}">
-                <a16:creationId xmlns:a16="http://schemas.microsoft.com/office/drawing/2014/main" xmlns="" id="{55927A29-51BD-4F19-B483-AB7AFE150862}"/>
+                <a16:creationId xmlns:a16="http://schemas.microsoft.com/office/drawing/2014/main" id="{55927A29-51BD-4F19-B483-AB7AFE150862}"/>
               </a:ext>
             </a:extLst>
           </p:cNvPr>
@@ -4589,44 +4588,39 @@
           <a:lstStyle/>
           <a:p>
             <a:r>
-              <a:rPr lang="en-US" altLang="zh-CN" dirty="0" smtClean="0"/>
+              <a:rPr lang="en-US" altLang="zh-CN" dirty="0"/>
               <a:t>1</a:t>
             </a:r>
             <a:r>
-              <a:rPr lang="zh-CN" altLang="en-US" dirty="0" smtClean="0"/>
-              <a:t>、功能：登录（权限）</a:t>
-            </a:r>
-            <a:r>
-              <a:rPr lang="zh-CN" altLang="en-US" dirty="0" smtClean="0"/>
-              <a:t>、增加（</a:t>
-            </a:r>
-            <a:r>
-              <a:rPr lang="en-US" altLang="zh-CN" dirty="0" smtClean="0"/>
+              <a:rPr lang="zh-CN" altLang="en-US" dirty="0"/>
+              <a:t>、功能：登录（权限）、增加（</a:t>
+            </a:r>
+            <a:r>
+              <a:rPr lang="en-US" altLang="zh-CN" dirty="0"/>
               <a:t>2</a:t>
             </a:r>
             <a:r>
-              <a:rPr lang="zh-CN" altLang="en-US" dirty="0" smtClean="0"/>
+              <a:rPr lang="zh-CN" altLang="en-US" dirty="0"/>
               <a:t>个表，一个用于标题等内容，一个日记内容）、查询（周期查询等）、修改等、下载导出功能。</a:t>
             </a:r>
-            <a:endParaRPr lang="en-US" altLang="zh-CN" dirty="0" smtClean="0"/>
-          </a:p>
-          <a:p>
-            <a:r>
-              <a:rPr lang="en-US" altLang="zh-CN" dirty="0" smtClean="0"/>
+            <a:endParaRPr lang="en-US" altLang="zh-CN" dirty="0"/>
+          </a:p>
+          <a:p>
+            <a:r>
+              <a:rPr lang="en-US" altLang="zh-CN" dirty="0"/>
               <a:t>2</a:t>
             </a:r>
             <a:r>
-              <a:rPr lang="zh-CN" altLang="en-US" dirty="0" smtClean="0"/>
+              <a:rPr lang="zh-CN" altLang="en-US" dirty="0"/>
               <a:t>、先是框架后内容</a:t>
             </a:r>
-            <a:endParaRPr lang="en-US" altLang="zh-CN" dirty="0" smtClean="0"/>
-          </a:p>
-          <a:p>
-            <a:r>
-              <a:rPr lang="zh-CN" altLang="en-US" dirty="0" smtClean="0"/>
+            <a:endParaRPr lang="en-US" altLang="zh-CN" dirty="0"/>
+          </a:p>
+          <a:p>
+            <a:r>
+              <a:rPr lang="zh-CN" altLang="en-US" dirty="0"/>
               <a:t>都尽量涉及到。 </a:t>
             </a:r>
-            <a:endParaRPr lang="zh-CN" altLang="en-US" dirty="0"/>
           </a:p>
         </p:txBody>
       </p:sp>

--- a/document/0415_newStart.pptx
+++ b/document/0415_newStart.pptx
@@ -10,6 +10,7 @@
     <p:sldId id="257" r:id="rId4"/>
     <p:sldId id="259" r:id="rId5"/>
     <p:sldId id="260" r:id="rId6"/>
+    <p:sldId id="261" r:id="rId7"/>
   </p:sldIdLst>
   <p:sldSz cx="12192000" cy="6858000"/>
   <p:notesSz cx="6858000" cy="9144000"/>
@@ -4637,6 +4638,146 @@
 </p:sld>
 </file>
 
+<file path=ppt/slides/slide6.xml><?xml version="1.0" encoding="utf-8"?>
+<p:sld xmlns:a="http://schemas.openxmlformats.org/drawingml/2006/main" xmlns:r="http://schemas.openxmlformats.org/officeDocument/2006/relationships" xmlns:p="http://schemas.openxmlformats.org/presentationml/2006/main">
+  <p:cSld>
+    <p:spTree>
+      <p:nvGrpSpPr>
+        <p:cNvPr id="1" name=""/>
+        <p:cNvGrpSpPr/>
+        <p:nvPr/>
+      </p:nvGrpSpPr>
+      <p:grpSpPr>
+        <a:xfrm>
+          <a:off x="0" y="0"/>
+          <a:ext cx="0" cy="0"/>
+          <a:chOff x="0" y="0"/>
+          <a:chExt cx="0" cy="0"/>
+        </a:xfrm>
+      </p:grpSpPr>
+      <p:sp>
+        <p:nvSpPr>
+          <p:cNvPr id="2" name="标题 1">
+            <a:extLst>
+              <a:ext uri="{FF2B5EF4-FFF2-40B4-BE49-F238E27FC236}">
+                <a16:creationId xmlns:a16="http://schemas.microsoft.com/office/drawing/2014/main" id="{FC44E95D-6AEA-4F8F-92AC-FF2D24F072BF}"/>
+              </a:ext>
+            </a:extLst>
+          </p:cNvPr>
+          <p:cNvSpPr>
+            <a:spLocks noGrp="1"/>
+          </p:cNvSpPr>
+          <p:nvPr>
+            <p:ph type="title"/>
+          </p:nvPr>
+        </p:nvSpPr>
+        <p:spPr/>
+        <p:txBody>
+          <a:bodyPr/>
+          <a:lstStyle/>
+          <a:p>
+            <a:r>
+              <a:rPr lang="zh-CN" altLang="en-US" dirty="0"/>
+              <a:t>记录小细节</a:t>
+            </a:r>
+            <a:br>
+              <a:rPr lang="en-US" altLang="zh-CN" dirty="0"/>
+            </a:br>
+            <a:endParaRPr lang="zh-CN" altLang="en-US" dirty="0"/>
+          </a:p>
+        </p:txBody>
+      </p:sp>
+      <p:sp>
+        <p:nvSpPr>
+          <p:cNvPr id="3" name="内容占位符 2">
+            <a:extLst>
+              <a:ext uri="{FF2B5EF4-FFF2-40B4-BE49-F238E27FC236}">
+                <a16:creationId xmlns:a16="http://schemas.microsoft.com/office/drawing/2014/main" id="{729590FC-0D73-4944-8A7B-9C3E4E113299}"/>
+              </a:ext>
+            </a:extLst>
+          </p:cNvPr>
+          <p:cNvSpPr>
+            <a:spLocks noGrp="1"/>
+          </p:cNvSpPr>
+          <p:nvPr>
+            <p:ph idx="1"/>
+          </p:nvPr>
+        </p:nvSpPr>
+        <p:spPr/>
+        <p:txBody>
+          <a:bodyPr/>
+          <a:lstStyle/>
+          <a:p>
+            <a:r>
+              <a:rPr lang="en-US" altLang="zh-CN" dirty="0"/>
+              <a:t>1</a:t>
+            </a:r>
+            <a:r>
+              <a:rPr lang="zh-CN" altLang="en-US" dirty="0"/>
+              <a:t>、阿里 </a:t>
+            </a:r>
+            <a:r>
+              <a:rPr lang="en-US" altLang="zh-CN" b="1" dirty="0"/>
+              <a:t>Druid </a:t>
+            </a:r>
+            <a:r>
+              <a:rPr lang="zh-CN" altLang="en-US" b="1" dirty="0"/>
+              <a:t>数据库连接池  学习</a:t>
+            </a:r>
+            <a:endParaRPr lang="en-US" altLang="zh-CN" b="1" dirty="0"/>
+          </a:p>
+          <a:p>
+            <a:r>
+              <a:rPr lang="en-US" altLang="zh-CN" b="1" dirty="0"/>
+              <a:t>2</a:t>
+            </a:r>
+            <a:r>
+              <a:rPr lang="zh-CN" altLang="en-US" b="1" dirty="0"/>
+              <a:t>、把</a:t>
+            </a:r>
+            <a:r>
+              <a:rPr lang="en-US" altLang="zh-CN" b="1" dirty="0"/>
+              <a:t>logger</a:t>
+            </a:r>
+            <a:r>
+              <a:rPr lang="zh-CN" altLang="en-US" b="1" dirty="0"/>
+              <a:t>弄了</a:t>
+            </a:r>
+            <a:endParaRPr lang="en-US" altLang="zh-CN" b="1" dirty="0"/>
+          </a:p>
+          <a:p>
+            <a:r>
+              <a:rPr lang="en-US" altLang="zh-CN" b="1" dirty="0"/>
+              <a:t>3</a:t>
+            </a:r>
+            <a:r>
+              <a:rPr lang="zh-CN" altLang="en-US" b="1" dirty="0"/>
+              <a:t>、测试一下</a:t>
+            </a:r>
+            <a:r>
+              <a:rPr lang="en-US" altLang="zh-CN" b="1" dirty="0" err="1"/>
+              <a:t>mybatis</a:t>
+            </a:r>
+            <a:endParaRPr lang="en-US" altLang="zh-CN" b="1" dirty="0"/>
+          </a:p>
+          <a:p>
+            <a:endParaRPr lang="zh-CN" altLang="en-US" dirty="0"/>
+          </a:p>
+        </p:txBody>
+      </p:sp>
+    </p:spTree>
+    <p:extLst>
+      <p:ext uri="{BB962C8B-B14F-4D97-AF65-F5344CB8AC3E}">
+        <p14:creationId xmlns:p14="http://schemas.microsoft.com/office/powerpoint/2010/main" val="1619474188"/>
+      </p:ext>
+    </p:extLst>
+  </p:cSld>
+  <p:clrMapOvr>
+    <a:masterClrMapping/>
+  </p:clrMapOvr>
+</p:sld>
+</file>
+
 <file path=ppt/theme/theme1.xml><?xml version="1.0" encoding="utf-8"?>
 <a:theme xmlns:a="http://schemas.openxmlformats.org/drawingml/2006/main" name="Office 主题​​">
   <a:themeElements>
